--- a/chinese/讓愛走動.pptx
+++ b/chinese/讓愛走動.pptx
@@ -120,7 +120,7 @@
   </p:defaultTextStyle>
   <p:extLst>
     <p:ext uri="{EFAFB233-063F-42B5-8137-9DF3F51BA10A}">
-      <p15:sldGuideLst xmlns="" xmlns:p15="http://schemas.microsoft.com/office/powerpoint/2012/main"/>
+      <p15:sldGuideLst xmlns:p15="http://schemas.microsoft.com/office/powerpoint/2012/main" xmlns=""/>
     </p:ext>
   </p:extLst>
 </p:presentation>
@@ -258,7 +258,7 @@
             <a:fld id="{3C469737-67B4-4905-A506-7CC4E4F8CBAF}" type="datetimeFigureOut">
               <a:rPr lang="en-US" smtClean="0"/>
               <a:pPr/>
-              <a:t>11/4/2020</a:t>
+              <a:t>11/23/2020</a:t>
             </a:fld>
             <a:endParaRPr lang="en-US"/>
           </a:p>
@@ -310,7 +310,7 @@
     </p:spTree>
     <p:extLst>
       <p:ext uri="{BB962C8B-B14F-4D97-AF65-F5344CB8AC3E}">
-        <p14:creationId xmlns="" xmlns:p14="http://schemas.microsoft.com/office/powerpoint/2010/main" val="1020718502"/>
+        <p14:creationId xmlns:p14="http://schemas.microsoft.com/office/powerpoint/2010/main" xmlns="" val="1020718502"/>
       </p:ext>
     </p:extLst>
   </p:cSld>
@@ -430,7 +430,7 @@
             <a:fld id="{3C469737-67B4-4905-A506-7CC4E4F8CBAF}" type="datetimeFigureOut">
               <a:rPr lang="en-US" smtClean="0"/>
               <a:pPr/>
-              <a:t>11/4/2020</a:t>
+              <a:t>11/23/2020</a:t>
             </a:fld>
             <a:endParaRPr lang="en-US"/>
           </a:p>
@@ -482,7 +482,7 @@
     </p:spTree>
     <p:extLst>
       <p:ext uri="{BB962C8B-B14F-4D97-AF65-F5344CB8AC3E}">
-        <p14:creationId xmlns="" xmlns:p14="http://schemas.microsoft.com/office/powerpoint/2010/main" val="3409180864"/>
+        <p14:creationId xmlns:p14="http://schemas.microsoft.com/office/powerpoint/2010/main" xmlns="" val="3409180864"/>
       </p:ext>
     </p:extLst>
   </p:cSld>
@@ -612,7 +612,7 @@
             <a:fld id="{3C469737-67B4-4905-A506-7CC4E4F8CBAF}" type="datetimeFigureOut">
               <a:rPr lang="en-US" smtClean="0"/>
               <a:pPr/>
-              <a:t>11/4/2020</a:t>
+              <a:t>11/23/2020</a:t>
             </a:fld>
             <a:endParaRPr lang="en-US"/>
           </a:p>
@@ -664,7 +664,7 @@
     </p:spTree>
     <p:extLst>
       <p:ext uri="{BB962C8B-B14F-4D97-AF65-F5344CB8AC3E}">
-        <p14:creationId xmlns="" xmlns:p14="http://schemas.microsoft.com/office/powerpoint/2010/main" val="272904093"/>
+        <p14:creationId xmlns:p14="http://schemas.microsoft.com/office/powerpoint/2010/main" xmlns="" val="272904093"/>
       </p:ext>
     </p:extLst>
   </p:cSld>
@@ -784,7 +784,7 @@
             <a:fld id="{3C469737-67B4-4905-A506-7CC4E4F8CBAF}" type="datetimeFigureOut">
               <a:rPr lang="en-US" smtClean="0"/>
               <a:pPr/>
-              <a:t>11/4/2020</a:t>
+              <a:t>11/23/2020</a:t>
             </a:fld>
             <a:endParaRPr lang="en-US"/>
           </a:p>
@@ -836,7 +836,7 @@
     </p:spTree>
     <p:extLst>
       <p:ext uri="{BB962C8B-B14F-4D97-AF65-F5344CB8AC3E}">
-        <p14:creationId xmlns="" xmlns:p14="http://schemas.microsoft.com/office/powerpoint/2010/main" val="4220385874"/>
+        <p14:creationId xmlns:p14="http://schemas.microsoft.com/office/powerpoint/2010/main" xmlns="" val="4220385874"/>
       </p:ext>
     </p:extLst>
   </p:cSld>
@@ -1032,7 +1032,7 @@
             <a:fld id="{3C469737-67B4-4905-A506-7CC4E4F8CBAF}" type="datetimeFigureOut">
               <a:rPr lang="en-US" smtClean="0"/>
               <a:pPr/>
-              <a:t>11/4/2020</a:t>
+              <a:t>11/23/2020</a:t>
             </a:fld>
             <a:endParaRPr lang="en-US"/>
           </a:p>
@@ -1084,7 +1084,7 @@
     </p:spTree>
     <p:extLst>
       <p:ext uri="{BB962C8B-B14F-4D97-AF65-F5344CB8AC3E}">
-        <p14:creationId xmlns="" xmlns:p14="http://schemas.microsoft.com/office/powerpoint/2010/main" val="533661826"/>
+        <p14:creationId xmlns:p14="http://schemas.microsoft.com/office/powerpoint/2010/main" xmlns="" val="533661826"/>
       </p:ext>
     </p:extLst>
   </p:cSld>
@@ -1266,7 +1266,7 @@
             <a:fld id="{3C469737-67B4-4905-A506-7CC4E4F8CBAF}" type="datetimeFigureOut">
               <a:rPr lang="en-US" smtClean="0"/>
               <a:pPr/>
-              <a:t>11/4/2020</a:t>
+              <a:t>11/23/2020</a:t>
             </a:fld>
             <a:endParaRPr lang="en-US"/>
           </a:p>
@@ -1318,7 +1318,7 @@
     </p:spTree>
     <p:extLst>
       <p:ext uri="{BB962C8B-B14F-4D97-AF65-F5344CB8AC3E}">
-        <p14:creationId xmlns="" xmlns:p14="http://schemas.microsoft.com/office/powerpoint/2010/main" val="3583745604"/>
+        <p14:creationId xmlns:p14="http://schemas.microsoft.com/office/powerpoint/2010/main" xmlns="" val="3583745604"/>
       </p:ext>
     </p:extLst>
   </p:cSld>
@@ -1635,7 +1635,7 @@
             <a:fld id="{3C469737-67B4-4905-A506-7CC4E4F8CBAF}" type="datetimeFigureOut">
               <a:rPr lang="en-US" smtClean="0"/>
               <a:pPr/>
-              <a:t>11/4/2020</a:t>
+              <a:t>11/23/2020</a:t>
             </a:fld>
             <a:endParaRPr lang="en-US"/>
           </a:p>
@@ -1687,7 +1687,7 @@
     </p:spTree>
     <p:extLst>
       <p:ext uri="{BB962C8B-B14F-4D97-AF65-F5344CB8AC3E}">
-        <p14:creationId xmlns="" xmlns:p14="http://schemas.microsoft.com/office/powerpoint/2010/main" val="2843584420"/>
+        <p14:creationId xmlns:p14="http://schemas.microsoft.com/office/powerpoint/2010/main" xmlns="" val="2843584420"/>
       </p:ext>
     </p:extLst>
   </p:cSld>
@@ -1755,7 +1755,7 @@
             <a:fld id="{3C469737-67B4-4905-A506-7CC4E4F8CBAF}" type="datetimeFigureOut">
               <a:rPr lang="en-US" smtClean="0"/>
               <a:pPr/>
-              <a:t>11/4/2020</a:t>
+              <a:t>11/23/2020</a:t>
             </a:fld>
             <a:endParaRPr lang="en-US"/>
           </a:p>
@@ -1807,7 +1807,7 @@
     </p:spTree>
     <p:extLst>
       <p:ext uri="{BB962C8B-B14F-4D97-AF65-F5344CB8AC3E}">
-        <p14:creationId xmlns="" xmlns:p14="http://schemas.microsoft.com/office/powerpoint/2010/main" val="2327907860"/>
+        <p14:creationId xmlns:p14="http://schemas.microsoft.com/office/powerpoint/2010/main" xmlns="" val="2327907860"/>
       </p:ext>
     </p:extLst>
   </p:cSld>
@@ -1852,7 +1852,7 @@
             <a:fld id="{3C469737-67B4-4905-A506-7CC4E4F8CBAF}" type="datetimeFigureOut">
               <a:rPr lang="en-US" smtClean="0"/>
               <a:pPr/>
-              <a:t>11/4/2020</a:t>
+              <a:t>11/23/2020</a:t>
             </a:fld>
             <a:endParaRPr lang="en-US"/>
           </a:p>
@@ -1904,7 +1904,7 @@
     </p:spTree>
     <p:extLst>
       <p:ext uri="{BB962C8B-B14F-4D97-AF65-F5344CB8AC3E}">
-        <p14:creationId xmlns="" xmlns:p14="http://schemas.microsoft.com/office/powerpoint/2010/main" val="4260687262"/>
+        <p14:creationId xmlns:p14="http://schemas.microsoft.com/office/powerpoint/2010/main" xmlns="" val="4260687262"/>
       </p:ext>
     </p:extLst>
   </p:cSld>
@@ -2131,7 +2131,7 @@
             <a:fld id="{3C469737-67B4-4905-A506-7CC4E4F8CBAF}" type="datetimeFigureOut">
               <a:rPr lang="en-US" smtClean="0"/>
               <a:pPr/>
-              <a:t>11/4/2020</a:t>
+              <a:t>11/23/2020</a:t>
             </a:fld>
             <a:endParaRPr lang="en-US"/>
           </a:p>
@@ -2183,7 +2183,7 @@
     </p:spTree>
     <p:extLst>
       <p:ext uri="{BB962C8B-B14F-4D97-AF65-F5344CB8AC3E}">
-        <p14:creationId xmlns="" xmlns:p14="http://schemas.microsoft.com/office/powerpoint/2010/main" val="3257087677"/>
+        <p14:creationId xmlns:p14="http://schemas.microsoft.com/office/powerpoint/2010/main" xmlns="" val="3257087677"/>
       </p:ext>
     </p:extLst>
   </p:cSld>
@@ -2386,7 +2386,7 @@
             <a:fld id="{3C469737-67B4-4905-A506-7CC4E4F8CBAF}" type="datetimeFigureOut">
               <a:rPr lang="en-US" smtClean="0"/>
               <a:pPr/>
-              <a:t>11/4/2020</a:t>
+              <a:t>11/23/2020</a:t>
             </a:fld>
             <a:endParaRPr lang="en-US"/>
           </a:p>
@@ -2438,7 +2438,7 @@
     </p:spTree>
     <p:extLst>
       <p:ext uri="{BB962C8B-B14F-4D97-AF65-F5344CB8AC3E}">
-        <p14:creationId xmlns="" xmlns:p14="http://schemas.microsoft.com/office/powerpoint/2010/main" val="1203492773"/>
+        <p14:creationId xmlns:p14="http://schemas.microsoft.com/office/powerpoint/2010/main" xmlns="" val="1203492773"/>
       </p:ext>
     </p:extLst>
   </p:cSld>
@@ -2601,7 +2601,7 @@
             <a:fld id="{3C469737-67B4-4905-A506-7CC4E4F8CBAF}" type="datetimeFigureOut">
               <a:rPr lang="en-US" smtClean="0"/>
               <a:pPr/>
-              <a:t>11/4/2020</a:t>
+              <a:t>11/23/2020</a:t>
             </a:fld>
             <a:endParaRPr lang="en-US"/>
           </a:p>
@@ -2689,7 +2689,7 @@
     </p:spTree>
     <p:extLst>
       <p:ext uri="{BB962C8B-B14F-4D97-AF65-F5344CB8AC3E}">
-        <p14:creationId xmlns="" xmlns:p14="http://schemas.microsoft.com/office/powerpoint/2010/main" val="654574450"/>
+        <p14:creationId xmlns:p14="http://schemas.microsoft.com/office/powerpoint/2010/main" xmlns="" val="654574450"/>
       </p:ext>
     </p:extLst>
   </p:cSld>
@@ -3019,7 +3019,7 @@
           <a:blip r:embed="rId2">
             <a:extLst>
               <a:ext uri="{28A0092B-C50C-407E-A947-70E740481C1C}">
-                <a14:useLocalDpi xmlns="" xmlns:a14="http://schemas.microsoft.com/office/drawing/2010/main" val="0"/>
+                <a14:useLocalDpi xmlns:a14="http://schemas.microsoft.com/office/drawing/2010/main" xmlns="" val="0"/>
               </a:ext>
             </a:extLst>
           </a:blip>
@@ -3039,7 +3039,7 @@
           <a:noFill/>
           <a:extLst>
             <a:ext uri="{909E8E84-426E-40DD-AFC4-6F175D3DCCD1}">
-              <a14:hiddenFill xmlns="" xmlns:a14="http://schemas.microsoft.com/office/drawing/2010/main">
+              <a14:hiddenFill xmlns:a14="http://schemas.microsoft.com/office/drawing/2010/main" xmlns="">
                 <a:solidFill>
                   <a:srgbClr val="FFFFFF"/>
                 </a:solidFill>
@@ -3060,7 +3060,7 @@
           <a:blip r:embed="rId3">
             <a:extLst>
               <a:ext uri="{28A0092B-C50C-407E-A947-70E740481C1C}">
-                <a14:useLocalDpi xmlns="" xmlns:a14="http://schemas.microsoft.com/office/drawing/2010/main" val="0"/>
+                <a14:useLocalDpi xmlns:a14="http://schemas.microsoft.com/office/drawing/2010/main" xmlns="" val="0"/>
               </a:ext>
             </a:extLst>
           </a:blip>
@@ -3078,7 +3078,7 @@
           <a:noFill/>
           <a:extLst>
             <a:ext uri="{909E8E84-426E-40DD-AFC4-6F175D3DCCD1}">
-              <a14:hiddenFill xmlns="" xmlns:a14="http://schemas.microsoft.com/office/drawing/2010/main">
+              <a14:hiddenFill xmlns:a14="http://schemas.microsoft.com/office/drawing/2010/main" xmlns="">
                 <a:solidFill>
                   <a:srgbClr val="FFFFFF"/>
                 </a:solidFill>
@@ -3202,7 +3202,7 @@
           <a:blip r:embed="rId4" cstate="print">
             <a:extLst>
               <a:ext uri="{28A0092B-C50C-407E-A947-70E740481C1C}">
-                <a14:useLocalDpi xmlns="" xmlns:a14="http://schemas.microsoft.com/office/drawing/2010/main" val="0"/>
+                <a14:useLocalDpi xmlns:a14="http://schemas.microsoft.com/office/drawing/2010/main" xmlns="" val="0"/>
               </a:ext>
             </a:extLst>
           </a:blip>
@@ -3222,7 +3222,7 @@
           <a:noFill/>
           <a:extLst>
             <a:ext uri="{909E8E84-426E-40DD-AFC4-6F175D3DCCD1}">
-              <a14:hiddenFill xmlns="" xmlns:a14="http://schemas.microsoft.com/office/drawing/2010/main">
+              <a14:hiddenFill xmlns:a14="http://schemas.microsoft.com/office/drawing/2010/main" xmlns="">
                 <a:solidFill>
                   <a:srgbClr val="FFFFFF"/>
                 </a:solidFill>
@@ -3316,7 +3316,7 @@
     </p:spTree>
     <p:extLst>
       <p:ext uri="{BB962C8B-B14F-4D97-AF65-F5344CB8AC3E}">
-        <p14:creationId xmlns="" xmlns:p14="http://schemas.microsoft.com/office/powerpoint/2010/main" val="1269681618"/>
+        <p14:creationId xmlns:p14="http://schemas.microsoft.com/office/powerpoint/2010/main" xmlns="" val="1269681618"/>
       </p:ext>
     </p:extLst>
   </p:cSld>
@@ -3362,7 +3362,7 @@
           <a:blip r:embed="rId2">
             <a:extLst>
               <a:ext uri="{28A0092B-C50C-407E-A947-70E740481C1C}">
-                <a14:useLocalDpi xmlns="" xmlns:a14="http://schemas.microsoft.com/office/drawing/2010/main" val="0"/>
+                <a14:useLocalDpi xmlns:a14="http://schemas.microsoft.com/office/drawing/2010/main" xmlns="" val="0"/>
               </a:ext>
             </a:extLst>
           </a:blip>
@@ -3382,7 +3382,7 @@
           <a:noFill/>
           <a:extLst>
             <a:ext uri="{909E8E84-426E-40DD-AFC4-6F175D3DCCD1}">
-              <a14:hiddenFill xmlns="" xmlns:a14="http://schemas.microsoft.com/office/drawing/2010/main">
+              <a14:hiddenFill xmlns:a14="http://schemas.microsoft.com/office/drawing/2010/main" xmlns="">
                 <a:solidFill>
                   <a:srgbClr val="FFFFFF"/>
                 </a:solidFill>
@@ -3972,7 +3972,7 @@
           <a:effectLst/>
           <a:extLst>
             <a:ext uri="{91240B29-F687-4F45-9708-019B960494DF}">
-              <a14:hiddenLine xmlns="" xmlns:a14="http://schemas.microsoft.com/office/drawing/2010/main" w="9525">
+              <a14:hiddenLine xmlns:a14="http://schemas.microsoft.com/office/drawing/2010/main" xmlns="" w="9525">
                 <a:solidFill>
                   <a:schemeClr val="tx1"/>
                 </a:solidFill>
@@ -3982,7 +3982,7 @@
               </a14:hiddenLine>
             </a:ext>
             <a:ext uri="{AF507438-7753-43E0-B8FC-AC1667EBCBE1}">
-              <a14:hiddenEffects xmlns="" xmlns:a14="http://schemas.microsoft.com/office/drawing/2010/main">
+              <a14:hiddenEffects xmlns:a14="http://schemas.microsoft.com/office/drawing/2010/main" xmlns="">
                 <a:effectLst>
                   <a:outerShdw dist="35921" dir="2700000" algn="ctr" rotWithShape="0">
                     <a:schemeClr val="bg2"/>
@@ -4033,7 +4033,7 @@
     </p:spTree>
     <p:extLst>
       <p:ext uri="{BB962C8B-B14F-4D97-AF65-F5344CB8AC3E}">
-        <p14:creationId xmlns="" xmlns:p14="http://schemas.microsoft.com/office/powerpoint/2010/main" val="2813216105"/>
+        <p14:creationId xmlns:p14="http://schemas.microsoft.com/office/powerpoint/2010/main" xmlns="" val="2813216105"/>
       </p:ext>
     </p:extLst>
   </p:cSld>
@@ -4079,7 +4079,7 @@
           <a:blip r:embed="rId2">
             <a:extLst>
               <a:ext uri="{28A0092B-C50C-407E-A947-70E740481C1C}">
-                <a14:useLocalDpi xmlns="" xmlns:a14="http://schemas.microsoft.com/office/drawing/2010/main" val="0"/>
+                <a14:useLocalDpi xmlns:a14="http://schemas.microsoft.com/office/drawing/2010/main" xmlns="" val="0"/>
               </a:ext>
             </a:extLst>
           </a:blip>
@@ -4099,7 +4099,7 @@
           <a:noFill/>
           <a:extLst>
             <a:ext uri="{909E8E84-426E-40DD-AFC4-6F175D3DCCD1}">
-              <a14:hiddenFill xmlns="" xmlns:a14="http://schemas.microsoft.com/office/drawing/2010/main">
+              <a14:hiddenFill xmlns:a14="http://schemas.microsoft.com/office/drawing/2010/main" xmlns="">
                 <a:solidFill>
                   <a:srgbClr val="FFFFFF"/>
                 </a:solidFill>
@@ -4801,7 +4801,7 @@
           <a:effectLst/>
           <a:extLst>
             <a:ext uri="{91240B29-F687-4F45-9708-019B960494DF}">
-              <a14:hiddenLine xmlns="" xmlns:a14="http://schemas.microsoft.com/office/drawing/2010/main" w="9525">
+              <a14:hiddenLine xmlns:a14="http://schemas.microsoft.com/office/drawing/2010/main" xmlns="" w="9525">
                 <a:solidFill>
                   <a:schemeClr val="tx1"/>
                 </a:solidFill>
@@ -4811,7 +4811,7 @@
               </a14:hiddenLine>
             </a:ext>
             <a:ext uri="{AF507438-7753-43E0-B8FC-AC1667EBCBE1}">
-              <a14:hiddenEffects xmlns="" xmlns:a14="http://schemas.microsoft.com/office/drawing/2010/main">
+              <a14:hiddenEffects xmlns:a14="http://schemas.microsoft.com/office/drawing/2010/main" xmlns="">
                 <a:effectLst>
                   <a:outerShdw dist="35921" dir="2700000" algn="ctr" rotWithShape="0">
                     <a:schemeClr val="bg2"/>
@@ -4884,7 +4884,7 @@
           <a:effectLst/>
           <a:extLst>
             <a:ext uri="{91240B29-F687-4F45-9708-019B960494DF}">
-              <a14:hiddenLine xmlns="" xmlns:a14="http://schemas.microsoft.com/office/drawing/2010/main" w="9525">
+              <a14:hiddenLine xmlns:a14="http://schemas.microsoft.com/office/drawing/2010/main" xmlns="" w="9525">
                 <a:solidFill>
                   <a:schemeClr val="tx1"/>
                 </a:solidFill>
@@ -4894,7 +4894,7 @@
               </a14:hiddenLine>
             </a:ext>
             <a:ext uri="{AF507438-7753-43E0-B8FC-AC1667EBCBE1}">
-              <a14:hiddenEffects xmlns="" xmlns:a14="http://schemas.microsoft.com/office/drawing/2010/main">
+              <a14:hiddenEffects xmlns:a14="http://schemas.microsoft.com/office/drawing/2010/main" xmlns="">
                 <a:effectLst>
                   <a:outerShdw dist="35921" dir="2700000" algn="ctr" rotWithShape="0">
                     <a:schemeClr val="bg2"/>
@@ -5094,7 +5094,7 @@
           <a:effectLst/>
           <a:extLst>
             <a:ext uri="{91240B29-F687-4F45-9708-019B960494DF}">
-              <a14:hiddenLine xmlns="" xmlns:a14="http://schemas.microsoft.com/office/drawing/2010/main" w="9525">
+              <a14:hiddenLine xmlns:a14="http://schemas.microsoft.com/office/drawing/2010/main" xmlns="" w="9525">
                 <a:solidFill>
                   <a:schemeClr val="tx1"/>
                 </a:solidFill>
@@ -5104,7 +5104,7 @@
               </a14:hiddenLine>
             </a:ext>
             <a:ext uri="{AF507438-7753-43E0-B8FC-AC1667EBCBE1}">
-              <a14:hiddenEffects xmlns="" xmlns:a14="http://schemas.microsoft.com/office/drawing/2010/main">
+              <a14:hiddenEffects xmlns:a14="http://schemas.microsoft.com/office/drawing/2010/main" xmlns="">
                 <a:effectLst>
                   <a:outerShdw dist="35921" dir="2700000" algn="ctr" rotWithShape="0">
                     <a:schemeClr val="bg2"/>
@@ -5152,7 +5152,7 @@
           <a:effectLst/>
           <a:extLst>
             <a:ext uri="{91240B29-F687-4F45-9708-019B960494DF}">
-              <a14:hiddenLine xmlns="" xmlns:a14="http://schemas.microsoft.com/office/drawing/2010/main" w="9525">
+              <a14:hiddenLine xmlns:a14="http://schemas.microsoft.com/office/drawing/2010/main" xmlns="" w="9525">
                 <a:solidFill>
                   <a:schemeClr val="tx1"/>
                 </a:solidFill>
@@ -5162,7 +5162,7 @@
               </a14:hiddenLine>
             </a:ext>
             <a:ext uri="{AF507438-7753-43E0-B8FC-AC1667EBCBE1}">
-              <a14:hiddenEffects xmlns="" xmlns:a14="http://schemas.microsoft.com/office/drawing/2010/main">
+              <a14:hiddenEffects xmlns:a14="http://schemas.microsoft.com/office/drawing/2010/main" xmlns="">
                 <a:effectLst>
                   <a:outerShdw dist="35921" dir="2700000" algn="ctr" rotWithShape="0">
                     <a:schemeClr val="bg2"/>
@@ -5213,7 +5213,7 @@
     </p:spTree>
     <p:extLst>
       <p:ext uri="{BB962C8B-B14F-4D97-AF65-F5344CB8AC3E}">
-        <p14:creationId xmlns="" xmlns:p14="http://schemas.microsoft.com/office/powerpoint/2010/main" val="1545437924"/>
+        <p14:creationId xmlns:p14="http://schemas.microsoft.com/office/powerpoint/2010/main" xmlns="" val="1545437924"/>
       </p:ext>
     </p:extLst>
   </p:cSld>
@@ -5259,7 +5259,7 @@
           <a:blip r:embed="rId2">
             <a:extLst>
               <a:ext uri="{28A0092B-C50C-407E-A947-70E740481C1C}">
-                <a14:useLocalDpi xmlns="" xmlns:a14="http://schemas.microsoft.com/office/drawing/2010/main" val="0"/>
+                <a14:useLocalDpi xmlns:a14="http://schemas.microsoft.com/office/drawing/2010/main" xmlns="" val="0"/>
               </a:ext>
             </a:extLst>
           </a:blip>
@@ -5279,7 +5279,7 @@
           <a:noFill/>
           <a:extLst>
             <a:ext uri="{909E8E84-426E-40DD-AFC4-6F175D3DCCD1}">
-              <a14:hiddenFill xmlns="" xmlns:a14="http://schemas.microsoft.com/office/drawing/2010/main">
+              <a14:hiddenFill xmlns:a14="http://schemas.microsoft.com/office/drawing/2010/main" xmlns="">
                 <a:solidFill>
                   <a:srgbClr val="FFFFFF"/>
                 </a:solidFill>
@@ -5300,7 +5300,7 @@
           <a:blip r:embed="rId3">
             <a:extLst>
               <a:ext uri="{28A0092B-C50C-407E-A947-70E740481C1C}">
-                <a14:useLocalDpi xmlns="" xmlns:a14="http://schemas.microsoft.com/office/drawing/2010/main" val="0"/>
+                <a14:useLocalDpi xmlns:a14="http://schemas.microsoft.com/office/drawing/2010/main" xmlns="" val="0"/>
               </a:ext>
             </a:extLst>
           </a:blip>
@@ -5318,7 +5318,7 @@
           <a:noFill/>
           <a:extLst>
             <a:ext uri="{909E8E84-426E-40DD-AFC4-6F175D3DCCD1}">
-              <a14:hiddenFill xmlns="" xmlns:a14="http://schemas.microsoft.com/office/drawing/2010/main">
+              <a14:hiddenFill xmlns:a14="http://schemas.microsoft.com/office/drawing/2010/main" xmlns="">
                 <a:solidFill>
                   <a:srgbClr val="FFFFFF"/>
                 </a:solidFill>
@@ -5442,7 +5442,7 @@
           <a:blip r:embed="rId4" cstate="print">
             <a:extLst>
               <a:ext uri="{28A0092B-C50C-407E-A947-70E740481C1C}">
-                <a14:useLocalDpi xmlns="" xmlns:a14="http://schemas.microsoft.com/office/drawing/2010/main" val="0"/>
+                <a14:useLocalDpi xmlns:a14="http://schemas.microsoft.com/office/drawing/2010/main" xmlns="" val="0"/>
               </a:ext>
             </a:extLst>
           </a:blip>
@@ -5462,7 +5462,7 @@
           <a:noFill/>
           <a:extLst>
             <a:ext uri="{909E8E84-426E-40DD-AFC4-6F175D3DCCD1}">
-              <a14:hiddenFill xmlns="" xmlns:a14="http://schemas.microsoft.com/office/drawing/2010/main">
+              <a14:hiddenFill xmlns:a14="http://schemas.microsoft.com/office/drawing/2010/main" xmlns="">
                 <a:solidFill>
                   <a:srgbClr val="FFFFFF"/>
                 </a:solidFill>
@@ -5474,7 +5474,7 @@
     </p:spTree>
     <p:extLst>
       <p:ext uri="{BB962C8B-B14F-4D97-AF65-F5344CB8AC3E}">
-        <p14:creationId xmlns="" xmlns:p14="http://schemas.microsoft.com/office/powerpoint/2010/main" val="1137290563"/>
+        <p14:creationId xmlns:p14="http://schemas.microsoft.com/office/powerpoint/2010/main" xmlns="" val="1137290563"/>
       </p:ext>
     </p:extLst>
   </p:cSld>
@@ -5520,7 +5520,7 @@
           <a:blip r:embed="rId2">
             <a:extLst>
               <a:ext uri="{28A0092B-C50C-407E-A947-70E740481C1C}">
-                <a14:useLocalDpi xmlns="" xmlns:a14="http://schemas.microsoft.com/office/drawing/2010/main" val="0"/>
+                <a14:useLocalDpi xmlns:a14="http://schemas.microsoft.com/office/drawing/2010/main" xmlns="" val="0"/>
               </a:ext>
             </a:extLst>
           </a:blip>
@@ -5540,7 +5540,7 @@
           <a:noFill/>
           <a:extLst>
             <a:ext uri="{909E8E84-426E-40DD-AFC4-6F175D3DCCD1}">
-              <a14:hiddenFill xmlns="" xmlns:a14="http://schemas.microsoft.com/office/drawing/2010/main">
+              <a14:hiddenFill xmlns:a14="http://schemas.microsoft.com/office/drawing/2010/main" xmlns="">
                 <a:solidFill>
                   <a:srgbClr val="FFFFFF"/>
                 </a:solidFill>
@@ -5575,196 +5575,471 @@
             <a:r>
               <a:rPr lang="zh-TW" altLang="en-US" sz="6600" b="1" dirty="0">
                 <a:solidFill>
-                  <a:srgbClr val="00B050"/>
-                </a:solidFill>
+                  <a:schemeClr val="accent6">
+                    <a:lumMod val="50000"/>
+                  </a:schemeClr>
+                </a:solidFill>
+                <a:effectLst>
+                  <a:outerShdw blurRad="38100" dist="38100" dir="2700000" algn="tl">
+                    <a:srgbClr val="000000">
+                      <a:alpha val="43137"/>
+                    </a:srgbClr>
+                  </a:outerShdw>
+                </a:effectLst>
+                <a:latin typeface="微軟正黑體" pitchFamily="34" charset="-120"/>
+                <a:ea typeface="微軟正黑體" pitchFamily="34" charset="-120"/>
               </a:rPr>
               <a:t>走過</a:t>
             </a:r>
             <a:r>
               <a:rPr lang="zh-TW" altLang="en-US" sz="6600" b="1" dirty="0" smtClean="0">
                 <a:solidFill>
-                  <a:srgbClr val="00B050"/>
-                </a:solidFill>
+                  <a:schemeClr val="accent6">
+                    <a:lumMod val="50000"/>
+                  </a:schemeClr>
+                </a:solidFill>
+                <a:effectLst>
+                  <a:outerShdw blurRad="38100" dist="38100" dir="2700000" algn="tl">
+                    <a:srgbClr val="000000">
+                      <a:alpha val="43137"/>
+                    </a:srgbClr>
+                  </a:outerShdw>
+                </a:effectLst>
+                <a:latin typeface="微軟正黑體" pitchFamily="34" charset="-120"/>
+                <a:ea typeface="微軟正黑體" pitchFamily="34" charset="-120"/>
               </a:rPr>
               <a:t>傷心</a:t>
             </a:r>
             <a:r>
               <a:rPr lang="en-US" altLang="zh-TW" sz="6600" b="1" dirty="0" smtClean="0">
                 <a:solidFill>
-                  <a:srgbClr val="00B050"/>
-                </a:solidFill>
+                  <a:schemeClr val="accent6">
+                    <a:lumMod val="50000"/>
+                  </a:schemeClr>
+                </a:solidFill>
+                <a:effectLst>
+                  <a:outerShdw blurRad="38100" dist="38100" dir="2700000" algn="tl">
+                    <a:srgbClr val="000000">
+                      <a:alpha val="43137"/>
+                    </a:srgbClr>
+                  </a:outerShdw>
+                </a:effectLst>
+                <a:latin typeface="微軟正黑體" pitchFamily="34" charset="-120"/>
+                <a:ea typeface="微軟正黑體" pitchFamily="34" charset="-120"/>
               </a:rPr>
               <a:t>	</a:t>
             </a:r>
             <a:r>
               <a:rPr lang="zh-TW" altLang="en-US" sz="6600" b="1" dirty="0" smtClean="0">
                 <a:solidFill>
-                  <a:srgbClr val="00B050"/>
-                </a:solidFill>
+                  <a:schemeClr val="accent6">
+                    <a:lumMod val="50000"/>
+                  </a:schemeClr>
+                </a:solidFill>
+                <a:effectLst>
+                  <a:outerShdw blurRad="38100" dist="38100" dir="2700000" algn="tl">
+                    <a:srgbClr val="000000">
+                      <a:alpha val="43137"/>
+                    </a:srgbClr>
+                  </a:outerShdw>
+                </a:effectLst>
+                <a:latin typeface="微軟正黑體" pitchFamily="34" charset="-120"/>
+                <a:ea typeface="微軟正黑體" pitchFamily="34" charset="-120"/>
               </a:rPr>
               <a:t>走</a:t>
             </a:r>
             <a:r>
               <a:rPr lang="zh-TW" altLang="en-US" sz="6600" b="1" dirty="0">
                 <a:solidFill>
-                  <a:srgbClr val="00B050"/>
-                </a:solidFill>
+                  <a:schemeClr val="accent6">
+                    <a:lumMod val="50000"/>
+                  </a:schemeClr>
+                </a:solidFill>
+                <a:effectLst>
+                  <a:outerShdw blurRad="38100" dist="38100" dir="2700000" algn="tl">
+                    <a:srgbClr val="000000">
+                      <a:alpha val="43137"/>
+                    </a:srgbClr>
+                  </a:outerShdw>
+                </a:effectLst>
+                <a:latin typeface="微軟正黑體" pitchFamily="34" charset="-120"/>
+                <a:ea typeface="微軟正黑體" pitchFamily="34" charset="-120"/>
               </a:rPr>
               <a:t>過</a:t>
             </a:r>
             <a:r>
               <a:rPr lang="zh-TW" altLang="en-US" sz="6600" b="1" dirty="0" smtClean="0">
                 <a:solidFill>
-                  <a:srgbClr val="00B050"/>
-                </a:solidFill>
+                  <a:schemeClr val="accent6">
+                    <a:lumMod val="50000"/>
+                  </a:schemeClr>
+                </a:solidFill>
+                <a:effectLst>
+                  <a:outerShdw blurRad="38100" dist="38100" dir="2700000" algn="tl">
+                    <a:srgbClr val="000000">
+                      <a:alpha val="43137"/>
+                    </a:srgbClr>
+                  </a:outerShdw>
+                </a:effectLst>
+                <a:latin typeface="微軟正黑體" pitchFamily="34" charset="-120"/>
+                <a:ea typeface="微軟正黑體" pitchFamily="34" charset="-120"/>
               </a:rPr>
               <a:t>淚水</a:t>
             </a:r>
             <a:r>
               <a:rPr lang="en-US" altLang="zh-TW" sz="6600" b="1" dirty="0" smtClean="0">
                 <a:solidFill>
-                  <a:srgbClr val="00B050"/>
-                </a:solidFill>
+                  <a:schemeClr val="accent6">
+                    <a:lumMod val="50000"/>
+                  </a:schemeClr>
+                </a:solidFill>
+                <a:effectLst>
+                  <a:outerShdw blurRad="38100" dist="38100" dir="2700000" algn="tl">
+                    <a:srgbClr val="000000">
+                      <a:alpha val="43137"/>
+                    </a:srgbClr>
+                  </a:outerShdw>
+                </a:effectLst>
+                <a:latin typeface="微軟正黑體" pitchFamily="34" charset="-120"/>
+                <a:ea typeface="微軟正黑體" pitchFamily="34" charset="-120"/>
               </a:rPr>
               <a:t/>
             </a:r>
             <a:br>
               <a:rPr lang="en-US" altLang="zh-TW" sz="6600" b="1" dirty="0" smtClean="0">
                 <a:solidFill>
-                  <a:srgbClr val="00B050"/>
-                </a:solidFill>
+                  <a:schemeClr val="accent6">
+                    <a:lumMod val="50000"/>
+                  </a:schemeClr>
+                </a:solidFill>
+                <a:effectLst>
+                  <a:outerShdw blurRad="38100" dist="38100" dir="2700000" algn="tl">
+                    <a:srgbClr val="000000">
+                      <a:alpha val="43137"/>
+                    </a:srgbClr>
+                  </a:outerShdw>
+                </a:effectLst>
+                <a:latin typeface="微軟正黑體" pitchFamily="34" charset="-120"/>
+                <a:ea typeface="微軟正黑體" pitchFamily="34" charset="-120"/>
               </a:rPr>
             </a:br>
             <a:r>
               <a:rPr lang="zh-TW" altLang="en-US" sz="6600" b="1" dirty="0" smtClean="0">
                 <a:solidFill>
-                  <a:srgbClr val="00B050"/>
-                </a:solidFill>
+                  <a:schemeClr val="accent6">
+                    <a:lumMod val="50000"/>
+                  </a:schemeClr>
+                </a:solidFill>
+                <a:effectLst>
+                  <a:outerShdw blurRad="38100" dist="38100" dir="2700000" algn="tl">
+                    <a:srgbClr val="000000">
+                      <a:alpha val="43137"/>
+                    </a:srgbClr>
+                  </a:outerShdw>
+                </a:effectLst>
+                <a:latin typeface="微軟正黑體" pitchFamily="34" charset="-120"/>
+                <a:ea typeface="微軟正黑體" pitchFamily="34" charset="-120"/>
               </a:rPr>
               <a:t>讓</a:t>
             </a:r>
             <a:r>
               <a:rPr lang="zh-TW" altLang="en-US" sz="6600" b="1" dirty="0">
                 <a:solidFill>
-                  <a:srgbClr val="00B050"/>
-                </a:solidFill>
+                  <a:schemeClr val="accent6">
+                    <a:lumMod val="50000"/>
+                  </a:schemeClr>
+                </a:solidFill>
+                <a:effectLst>
+                  <a:outerShdw blurRad="38100" dist="38100" dir="2700000" algn="tl">
+                    <a:srgbClr val="000000">
+                      <a:alpha val="43137"/>
+                    </a:srgbClr>
+                  </a:outerShdw>
+                </a:effectLst>
+                <a:latin typeface="微軟正黑體" pitchFamily="34" charset="-120"/>
+                <a:ea typeface="微軟正黑體" pitchFamily="34" charset="-120"/>
               </a:rPr>
               <a:t>每一顆心再次飛</a:t>
             </a:r>
             <a:r>
               <a:rPr lang="zh-TW" altLang="en-US" sz="6600" b="1" dirty="0" smtClean="0">
                 <a:solidFill>
-                  <a:srgbClr val="00B050"/>
-                </a:solidFill>
+                  <a:schemeClr val="accent6">
+                    <a:lumMod val="50000"/>
+                  </a:schemeClr>
+                </a:solidFill>
+                <a:effectLst>
+                  <a:outerShdw blurRad="38100" dist="38100" dir="2700000" algn="tl">
+                    <a:srgbClr val="000000">
+                      <a:alpha val="43137"/>
+                    </a:srgbClr>
+                  </a:outerShdw>
+                </a:effectLst>
+                <a:latin typeface="微軟正黑體" pitchFamily="34" charset="-120"/>
+                <a:ea typeface="微軟正黑體" pitchFamily="34" charset="-120"/>
               </a:rPr>
               <a:t>起來</a:t>
             </a:r>
             <a:r>
               <a:rPr lang="zh-TW" altLang="en-US" sz="6600" b="1" dirty="0">
                 <a:solidFill>
-                  <a:srgbClr val="00B050"/>
-                </a:solidFill>
+                  <a:schemeClr val="accent6">
+                    <a:lumMod val="50000"/>
+                  </a:schemeClr>
+                </a:solidFill>
+                <a:effectLst>
+                  <a:outerShdw blurRad="38100" dist="38100" dir="2700000" algn="tl">
+                    <a:srgbClr val="000000">
+                      <a:alpha val="43137"/>
+                    </a:srgbClr>
+                  </a:outerShdw>
+                </a:effectLst>
+                <a:latin typeface="微軟正黑體" pitchFamily="34" charset="-120"/>
+                <a:ea typeface="微軟正黑體" pitchFamily="34" charset="-120"/>
               </a:rPr>
               <a:t/>
             </a:r>
             <a:br>
               <a:rPr lang="zh-TW" altLang="en-US" sz="6600" b="1" dirty="0">
                 <a:solidFill>
-                  <a:srgbClr val="00B050"/>
-                </a:solidFill>
+                  <a:schemeClr val="accent6">
+                    <a:lumMod val="50000"/>
+                  </a:schemeClr>
+                </a:solidFill>
+                <a:effectLst>
+                  <a:outerShdw blurRad="38100" dist="38100" dir="2700000" algn="tl">
+                    <a:srgbClr val="000000">
+                      <a:alpha val="43137"/>
+                    </a:srgbClr>
+                  </a:outerShdw>
+                </a:effectLst>
+                <a:latin typeface="微軟正黑體" pitchFamily="34" charset="-120"/>
+                <a:ea typeface="微軟正黑體" pitchFamily="34" charset="-120"/>
               </a:rPr>
             </a:br>
             <a:r>
               <a:rPr lang="zh-TW" altLang="en-US" sz="6600" b="1" dirty="0">
                 <a:solidFill>
-                  <a:srgbClr val="00B050"/>
-                </a:solidFill>
+                  <a:schemeClr val="accent6">
+                    <a:lumMod val="50000"/>
+                  </a:schemeClr>
+                </a:solidFill>
+                <a:effectLst>
+                  <a:outerShdw blurRad="38100" dist="38100" dir="2700000" algn="tl">
+                    <a:srgbClr val="000000">
+                      <a:alpha val="43137"/>
+                    </a:srgbClr>
+                  </a:outerShdw>
+                </a:effectLst>
+                <a:latin typeface="微軟正黑體" pitchFamily="34" charset="-120"/>
+                <a:ea typeface="微軟正黑體" pitchFamily="34" charset="-120"/>
               </a:rPr>
               <a:t>用你的</a:t>
             </a:r>
             <a:r>
               <a:rPr lang="zh-TW" altLang="en-US" sz="6600" b="1" dirty="0" smtClean="0">
                 <a:solidFill>
-                  <a:srgbClr val="00B050"/>
-                </a:solidFill>
+                  <a:schemeClr val="accent6">
+                    <a:lumMod val="50000"/>
+                  </a:schemeClr>
+                </a:solidFill>
+                <a:effectLst>
+                  <a:outerShdw blurRad="38100" dist="38100" dir="2700000" algn="tl">
+                    <a:srgbClr val="000000">
+                      <a:alpha val="43137"/>
+                    </a:srgbClr>
+                  </a:outerShdw>
+                </a:effectLst>
+                <a:latin typeface="微軟正黑體" pitchFamily="34" charset="-120"/>
+                <a:ea typeface="微軟正黑體" pitchFamily="34" charset="-120"/>
               </a:rPr>
               <a:t>心</a:t>
             </a:r>
             <a:r>
               <a:rPr lang="en-US" altLang="zh-TW" sz="6600" b="1" dirty="0" smtClean="0">
                 <a:solidFill>
-                  <a:srgbClr val="00B050"/>
-                </a:solidFill>
+                  <a:schemeClr val="accent6">
+                    <a:lumMod val="50000"/>
+                  </a:schemeClr>
+                </a:solidFill>
+                <a:effectLst>
+                  <a:outerShdw blurRad="38100" dist="38100" dir="2700000" algn="tl">
+                    <a:srgbClr val="000000">
+                      <a:alpha val="43137"/>
+                    </a:srgbClr>
+                  </a:outerShdw>
+                </a:effectLst>
+                <a:latin typeface="微軟正黑體" pitchFamily="34" charset="-120"/>
+                <a:ea typeface="微軟正黑體" pitchFamily="34" charset="-120"/>
               </a:rPr>
               <a:t>	</a:t>
             </a:r>
             <a:r>
               <a:rPr lang="zh-TW" altLang="en-US" sz="6600" b="1" dirty="0" smtClean="0">
                 <a:solidFill>
-                  <a:srgbClr val="00B050"/>
-                </a:solidFill>
+                  <a:schemeClr val="accent6">
+                    <a:lumMod val="50000"/>
+                  </a:schemeClr>
+                </a:solidFill>
+                <a:effectLst>
+                  <a:outerShdw blurRad="38100" dist="38100" dir="2700000" algn="tl">
+                    <a:srgbClr val="000000">
+                      <a:alpha val="43137"/>
+                    </a:srgbClr>
+                  </a:outerShdw>
+                </a:effectLst>
+                <a:latin typeface="微軟正黑體" pitchFamily="34" charset="-120"/>
+                <a:ea typeface="微軟正黑體" pitchFamily="34" charset="-120"/>
               </a:rPr>
               <a:t>伸出</a:t>
             </a:r>
             <a:r>
               <a:rPr lang="zh-TW" altLang="en-US" sz="6600" b="1" dirty="0">
                 <a:solidFill>
-                  <a:srgbClr val="00B050"/>
-                </a:solidFill>
+                  <a:schemeClr val="accent6">
+                    <a:lumMod val="50000"/>
+                  </a:schemeClr>
+                </a:solidFill>
+                <a:effectLst>
+                  <a:outerShdw blurRad="38100" dist="38100" dir="2700000" algn="tl">
+                    <a:srgbClr val="000000">
+                      <a:alpha val="43137"/>
+                    </a:srgbClr>
+                  </a:outerShdw>
+                </a:effectLst>
+                <a:latin typeface="微軟正黑體" pitchFamily="34" charset="-120"/>
+                <a:ea typeface="微軟正黑體" pitchFamily="34" charset="-120"/>
               </a:rPr>
               <a:t>你</a:t>
             </a:r>
             <a:r>
               <a:rPr lang="zh-TW" altLang="en-US" sz="6600" b="1" dirty="0" smtClean="0">
                 <a:solidFill>
-                  <a:srgbClr val="00B050"/>
-                </a:solidFill>
+                  <a:schemeClr val="accent6">
+                    <a:lumMod val="50000"/>
+                  </a:schemeClr>
+                </a:solidFill>
+                <a:effectLst>
+                  <a:outerShdw blurRad="38100" dist="38100" dir="2700000" algn="tl">
+                    <a:srgbClr val="000000">
+                      <a:alpha val="43137"/>
+                    </a:srgbClr>
+                  </a:outerShdw>
+                </a:effectLst>
+                <a:latin typeface="微軟正黑體" pitchFamily="34" charset="-120"/>
+                <a:ea typeface="微軟正黑體" pitchFamily="34" charset="-120"/>
               </a:rPr>
               <a:t>手</a:t>
             </a:r>
             <a:r>
               <a:rPr lang="en-US" altLang="zh-TW" sz="6600" b="1" dirty="0" smtClean="0">
                 <a:solidFill>
-                  <a:srgbClr val="00B050"/>
-                </a:solidFill>
+                  <a:schemeClr val="accent6">
+                    <a:lumMod val="50000"/>
+                  </a:schemeClr>
+                </a:solidFill>
+                <a:effectLst>
+                  <a:outerShdw blurRad="38100" dist="38100" dir="2700000" algn="tl">
+                    <a:srgbClr val="000000">
+                      <a:alpha val="43137"/>
+                    </a:srgbClr>
+                  </a:outerShdw>
+                </a:effectLst>
+                <a:latin typeface="微軟正黑體" pitchFamily="34" charset="-120"/>
+                <a:ea typeface="微軟正黑體" pitchFamily="34" charset="-120"/>
               </a:rPr>
               <a:t/>
             </a:r>
             <a:br>
               <a:rPr lang="en-US" altLang="zh-TW" sz="6600" b="1" dirty="0" smtClean="0">
                 <a:solidFill>
-                  <a:srgbClr val="00B050"/>
-                </a:solidFill>
+                  <a:schemeClr val="accent6">
+                    <a:lumMod val="50000"/>
+                  </a:schemeClr>
+                </a:solidFill>
+                <a:effectLst>
+                  <a:outerShdw blurRad="38100" dist="38100" dir="2700000" algn="tl">
+                    <a:srgbClr val="000000">
+                      <a:alpha val="43137"/>
+                    </a:srgbClr>
+                  </a:outerShdw>
+                </a:effectLst>
+                <a:latin typeface="微軟正黑體" pitchFamily="34" charset="-120"/>
+                <a:ea typeface="微軟正黑體" pitchFamily="34" charset="-120"/>
               </a:rPr>
             </a:br>
             <a:r>
               <a:rPr lang="zh-TW" altLang="en-US" sz="6600" b="1" dirty="0" smtClean="0">
                 <a:solidFill>
-                  <a:srgbClr val="00B050"/>
-                </a:solidFill>
+                  <a:schemeClr val="accent6">
+                    <a:lumMod val="50000"/>
+                  </a:schemeClr>
+                </a:solidFill>
+                <a:effectLst>
+                  <a:outerShdw blurRad="38100" dist="38100" dir="2700000" algn="tl">
+                    <a:srgbClr val="000000">
+                      <a:alpha val="43137"/>
+                    </a:srgbClr>
+                  </a:outerShdw>
+                </a:effectLst>
+                <a:latin typeface="微軟正黑體" pitchFamily="34" charset="-120"/>
+                <a:ea typeface="微軟正黑體" pitchFamily="34" charset="-120"/>
               </a:rPr>
               <a:t>讓</a:t>
             </a:r>
             <a:r>
               <a:rPr lang="zh-TW" altLang="en-US" sz="6600" b="1" dirty="0">
                 <a:solidFill>
-                  <a:srgbClr val="00B050"/>
-                </a:solidFill>
+                  <a:schemeClr val="accent6">
+                    <a:lumMod val="50000"/>
+                  </a:schemeClr>
+                </a:solidFill>
+                <a:effectLst>
+                  <a:outerShdw blurRad="38100" dist="38100" dir="2700000" algn="tl">
+                    <a:srgbClr val="000000">
+                      <a:alpha val="43137"/>
+                    </a:srgbClr>
+                  </a:outerShdw>
+                </a:effectLst>
+                <a:latin typeface="微軟正黑體" pitchFamily="34" charset="-120"/>
+                <a:ea typeface="微軟正黑體" pitchFamily="34" charset="-120"/>
               </a:rPr>
               <a:t>每個靈魂再次活</a:t>
             </a:r>
             <a:r>
               <a:rPr lang="zh-TW" altLang="en-US" sz="6600" b="1" dirty="0" smtClean="0">
                 <a:solidFill>
-                  <a:srgbClr val="00B050"/>
-                </a:solidFill>
+                  <a:schemeClr val="accent6">
+                    <a:lumMod val="50000"/>
+                  </a:schemeClr>
+                </a:solidFill>
+                <a:effectLst>
+                  <a:outerShdw blurRad="38100" dist="38100" dir="2700000" algn="tl">
+                    <a:srgbClr val="000000">
+                      <a:alpha val="43137"/>
+                    </a:srgbClr>
+                  </a:outerShdw>
+                </a:effectLst>
+                <a:latin typeface="微軟正黑體" pitchFamily="34" charset="-120"/>
+                <a:ea typeface="微軟正黑體" pitchFamily="34" charset="-120"/>
               </a:rPr>
               <a:t>過來</a:t>
             </a:r>
             <a:endParaRPr lang="en-US" sz="6600" b="1" dirty="0">
               <a:solidFill>
-                <a:srgbClr val="00B050"/>
+                <a:schemeClr val="accent6">
+                  <a:lumMod val="50000"/>
+                </a:schemeClr>
               </a:solidFill>
+              <a:effectLst>
+                <a:outerShdw blurRad="38100" dist="38100" dir="2700000" algn="tl">
+                  <a:srgbClr val="000000">
+                    <a:alpha val="43137"/>
+                  </a:srgbClr>
+                </a:outerShdw>
+              </a:effectLst>
+              <a:latin typeface="微軟正黑體" pitchFamily="34" charset="-120"/>
+              <a:ea typeface="微軟正黑體" pitchFamily="34" charset="-120"/>
             </a:endParaRPr>
           </a:p>
         </p:txBody>
@@ -5772,7 +6047,7 @@
     </p:spTree>
     <p:extLst>
       <p:ext uri="{BB962C8B-B14F-4D97-AF65-F5344CB8AC3E}">
-        <p14:creationId xmlns="" xmlns:p14="http://schemas.microsoft.com/office/powerpoint/2010/main" val="3848950515"/>
+        <p14:creationId xmlns:p14="http://schemas.microsoft.com/office/powerpoint/2010/main" xmlns="" val="3848950515"/>
       </p:ext>
     </p:extLst>
   </p:cSld>
@@ -5818,7 +6093,7 @@
           <a:blip r:embed="rId2">
             <a:extLst>
               <a:ext uri="{28A0092B-C50C-407E-A947-70E740481C1C}">
-                <a14:useLocalDpi xmlns="" xmlns:a14="http://schemas.microsoft.com/office/drawing/2010/main" val="0"/>
+                <a14:useLocalDpi xmlns:a14="http://schemas.microsoft.com/office/drawing/2010/main" xmlns="" val="0"/>
               </a:ext>
             </a:extLst>
           </a:blip>
@@ -5838,7 +6113,7 @@
           <a:noFill/>
           <a:extLst>
             <a:ext uri="{909E8E84-426E-40DD-AFC4-6F175D3DCCD1}">
-              <a14:hiddenFill xmlns="" xmlns:a14="http://schemas.microsoft.com/office/drawing/2010/main">
+              <a14:hiddenFill xmlns:a14="http://schemas.microsoft.com/office/drawing/2010/main" xmlns="">
                 <a:solidFill>
                   <a:srgbClr val="FFFFFF"/>
                 </a:solidFill>
@@ -5873,125 +6148,301 @@
             <a:r>
               <a:rPr lang="zh-TW" altLang="en-US" sz="6600" b="1" dirty="0">
                 <a:solidFill>
-                  <a:srgbClr val="00B050"/>
-                </a:solidFill>
+                  <a:schemeClr val="accent6">
+                    <a:lumMod val="50000"/>
+                  </a:schemeClr>
+                </a:solidFill>
+                <a:effectLst>
+                  <a:outerShdw blurRad="38100" dist="38100" dir="2700000" algn="tl">
+                    <a:srgbClr val="000000">
+                      <a:alpha val="43137"/>
+                    </a:srgbClr>
+                  </a:outerShdw>
+                </a:effectLst>
+                <a:latin typeface="微軟正黑體" pitchFamily="34" charset="-120"/>
+                <a:ea typeface="微軟正黑體" pitchFamily="34" charset="-120"/>
               </a:rPr>
               <a:t>讓愛</a:t>
             </a:r>
             <a:r>
               <a:rPr lang="zh-TW" altLang="en-US" sz="6600" b="1" dirty="0" smtClean="0">
                 <a:solidFill>
-                  <a:srgbClr val="00B050"/>
-                </a:solidFill>
+                  <a:schemeClr val="accent6">
+                    <a:lumMod val="50000"/>
+                  </a:schemeClr>
+                </a:solidFill>
+                <a:effectLst>
+                  <a:outerShdw blurRad="38100" dist="38100" dir="2700000" algn="tl">
+                    <a:srgbClr val="000000">
+                      <a:alpha val="43137"/>
+                    </a:srgbClr>
+                  </a:outerShdw>
+                </a:effectLst>
+                <a:latin typeface="微軟正黑體" pitchFamily="34" charset="-120"/>
+                <a:ea typeface="微軟正黑體" pitchFamily="34" charset="-120"/>
               </a:rPr>
               <a:t>走動</a:t>
             </a:r>
             <a:r>
               <a:rPr lang="en-US" altLang="zh-TW" sz="6600" b="1" dirty="0" smtClean="0">
                 <a:solidFill>
-                  <a:srgbClr val="00B050"/>
-                </a:solidFill>
+                  <a:schemeClr val="accent6">
+                    <a:lumMod val="50000"/>
+                  </a:schemeClr>
+                </a:solidFill>
+                <a:effectLst>
+                  <a:outerShdw blurRad="38100" dist="38100" dir="2700000" algn="tl">
+                    <a:srgbClr val="000000">
+                      <a:alpha val="43137"/>
+                    </a:srgbClr>
+                  </a:outerShdw>
+                </a:effectLst>
+                <a:latin typeface="微軟正黑體" pitchFamily="34" charset="-120"/>
+                <a:ea typeface="微軟正黑體" pitchFamily="34" charset="-120"/>
               </a:rPr>
               <a:t/>
             </a:r>
             <a:br>
               <a:rPr lang="en-US" altLang="zh-TW" sz="6600" b="1" dirty="0" smtClean="0">
                 <a:solidFill>
-                  <a:srgbClr val="00B050"/>
-                </a:solidFill>
+                  <a:schemeClr val="accent6">
+                    <a:lumMod val="50000"/>
+                  </a:schemeClr>
+                </a:solidFill>
+                <a:effectLst>
+                  <a:outerShdw blurRad="38100" dist="38100" dir="2700000" algn="tl">
+                    <a:srgbClr val="000000">
+                      <a:alpha val="43137"/>
+                    </a:srgbClr>
+                  </a:outerShdw>
+                </a:effectLst>
+                <a:latin typeface="微軟正黑體" pitchFamily="34" charset="-120"/>
+                <a:ea typeface="微軟正黑體" pitchFamily="34" charset="-120"/>
               </a:rPr>
             </a:br>
             <a:r>
               <a:rPr lang="zh-TW" altLang="en-US" sz="6600" b="1" dirty="0" smtClean="0">
                 <a:solidFill>
-                  <a:srgbClr val="00B050"/>
-                </a:solidFill>
+                  <a:schemeClr val="accent6">
+                    <a:lumMod val="50000"/>
+                  </a:schemeClr>
+                </a:solidFill>
+                <a:effectLst>
+                  <a:outerShdw blurRad="38100" dist="38100" dir="2700000" algn="tl">
+                    <a:srgbClr val="000000">
+                      <a:alpha val="43137"/>
+                    </a:srgbClr>
+                  </a:outerShdw>
+                </a:effectLst>
+                <a:latin typeface="微軟正黑體" pitchFamily="34" charset="-120"/>
+                <a:ea typeface="微軟正黑體" pitchFamily="34" charset="-120"/>
               </a:rPr>
               <a:t>讓</a:t>
             </a:r>
             <a:r>
               <a:rPr lang="zh-TW" altLang="en-US" sz="6600" b="1" dirty="0">
                 <a:solidFill>
-                  <a:srgbClr val="00B050"/>
-                </a:solidFill>
+                  <a:schemeClr val="accent6">
+                    <a:lumMod val="50000"/>
+                  </a:schemeClr>
+                </a:solidFill>
+                <a:effectLst>
+                  <a:outerShdw blurRad="38100" dist="38100" dir="2700000" algn="tl">
+                    <a:srgbClr val="000000">
+                      <a:alpha val="43137"/>
+                    </a:srgbClr>
+                  </a:outerShdw>
+                </a:effectLst>
+                <a:latin typeface="微軟正黑體" pitchFamily="34" charset="-120"/>
+                <a:ea typeface="微軟正黑體" pitchFamily="34" charset="-120"/>
               </a:rPr>
               <a:t>你的愛化成希望的</a:t>
             </a:r>
             <a:r>
               <a:rPr lang="zh-TW" altLang="en-US" sz="6600" b="1" dirty="0" smtClean="0">
                 <a:solidFill>
-                  <a:srgbClr val="00B050"/>
-                </a:solidFill>
+                  <a:schemeClr val="accent6">
+                    <a:lumMod val="50000"/>
+                  </a:schemeClr>
+                </a:solidFill>
+                <a:effectLst>
+                  <a:outerShdw blurRad="38100" dist="38100" dir="2700000" algn="tl">
+                    <a:srgbClr val="000000">
+                      <a:alpha val="43137"/>
+                    </a:srgbClr>
+                  </a:outerShdw>
+                </a:effectLst>
+                <a:latin typeface="微軟正黑體" pitchFamily="34" charset="-120"/>
+                <a:ea typeface="微軟正黑體" pitchFamily="34" charset="-120"/>
               </a:rPr>
               <a:t>種子</a:t>
             </a:r>
             <a:r>
               <a:rPr lang="zh-TW" altLang="en-US" sz="6600" b="1" dirty="0">
                 <a:solidFill>
-                  <a:srgbClr val="00B050"/>
-                </a:solidFill>
+                  <a:schemeClr val="accent6">
+                    <a:lumMod val="50000"/>
+                  </a:schemeClr>
+                </a:solidFill>
+                <a:effectLst>
+                  <a:outerShdw blurRad="38100" dist="38100" dir="2700000" algn="tl">
+                    <a:srgbClr val="000000">
+                      <a:alpha val="43137"/>
+                    </a:srgbClr>
+                  </a:outerShdw>
+                </a:effectLst>
+                <a:latin typeface="微軟正黑體" pitchFamily="34" charset="-120"/>
+                <a:ea typeface="微軟正黑體" pitchFamily="34" charset="-120"/>
               </a:rPr>
               <a:t/>
             </a:r>
             <a:br>
               <a:rPr lang="zh-TW" altLang="en-US" sz="6600" b="1" dirty="0">
                 <a:solidFill>
-                  <a:srgbClr val="00B050"/>
-                </a:solidFill>
+                  <a:schemeClr val="accent6">
+                    <a:lumMod val="50000"/>
+                  </a:schemeClr>
+                </a:solidFill>
+                <a:effectLst>
+                  <a:outerShdw blurRad="38100" dist="38100" dir="2700000" algn="tl">
+                    <a:srgbClr val="000000">
+                      <a:alpha val="43137"/>
+                    </a:srgbClr>
+                  </a:outerShdw>
+                </a:effectLst>
+                <a:latin typeface="微軟正黑體" pitchFamily="34" charset="-120"/>
+                <a:ea typeface="微軟正黑體" pitchFamily="34" charset="-120"/>
               </a:rPr>
             </a:br>
             <a:r>
               <a:rPr lang="zh-TW" altLang="en-US" sz="6600" b="1" dirty="0">
                 <a:solidFill>
-                  <a:srgbClr val="00B050"/>
-                </a:solidFill>
+                  <a:schemeClr val="accent6">
+                    <a:lumMod val="50000"/>
+                  </a:schemeClr>
+                </a:solidFill>
+                <a:effectLst>
+                  <a:outerShdw blurRad="38100" dist="38100" dir="2700000" algn="tl">
+                    <a:srgbClr val="000000">
+                      <a:alpha val="43137"/>
+                    </a:srgbClr>
+                  </a:outerShdw>
+                </a:effectLst>
+                <a:latin typeface="微軟正黑體" pitchFamily="34" charset="-120"/>
+                <a:ea typeface="微軟正黑體" pitchFamily="34" charset="-120"/>
               </a:rPr>
               <a:t>隨風揚</a:t>
             </a:r>
             <a:r>
               <a:rPr lang="zh-TW" altLang="en-US" sz="6600" b="1" dirty="0" smtClean="0">
                 <a:solidFill>
-                  <a:srgbClr val="00B050"/>
-                </a:solidFill>
+                  <a:schemeClr val="accent6">
+                    <a:lumMod val="50000"/>
+                  </a:schemeClr>
+                </a:solidFill>
+                <a:effectLst>
+                  <a:outerShdw blurRad="38100" dist="38100" dir="2700000" algn="tl">
+                    <a:srgbClr val="000000">
+                      <a:alpha val="43137"/>
+                    </a:srgbClr>
+                  </a:outerShdw>
+                </a:effectLst>
+                <a:latin typeface="微軟正黑體" pitchFamily="34" charset="-120"/>
+                <a:ea typeface="微軟正黑體" pitchFamily="34" charset="-120"/>
               </a:rPr>
               <a:t>起</a:t>
             </a:r>
             <a:r>
               <a:rPr lang="en-US" altLang="zh-TW" sz="6600" b="1" dirty="0" smtClean="0">
                 <a:solidFill>
-                  <a:srgbClr val="00B050"/>
-                </a:solidFill>
+                  <a:schemeClr val="accent6">
+                    <a:lumMod val="50000"/>
+                  </a:schemeClr>
+                </a:solidFill>
+                <a:effectLst>
+                  <a:outerShdw blurRad="38100" dist="38100" dir="2700000" algn="tl">
+                    <a:srgbClr val="000000">
+                      <a:alpha val="43137"/>
+                    </a:srgbClr>
+                  </a:outerShdw>
+                </a:effectLst>
+                <a:latin typeface="微軟正黑體" pitchFamily="34" charset="-120"/>
+                <a:ea typeface="微軟正黑體" pitchFamily="34" charset="-120"/>
               </a:rPr>
               <a:t/>
             </a:r>
             <a:br>
               <a:rPr lang="en-US" altLang="zh-TW" sz="6600" b="1" dirty="0" smtClean="0">
                 <a:solidFill>
-                  <a:srgbClr val="00B050"/>
-                </a:solidFill>
+                  <a:schemeClr val="accent6">
+                    <a:lumMod val="50000"/>
+                  </a:schemeClr>
+                </a:solidFill>
+                <a:effectLst>
+                  <a:outerShdw blurRad="38100" dist="38100" dir="2700000" algn="tl">
+                    <a:srgbClr val="000000">
+                      <a:alpha val="43137"/>
+                    </a:srgbClr>
+                  </a:outerShdw>
+                </a:effectLst>
+                <a:latin typeface="微軟正黑體" pitchFamily="34" charset="-120"/>
+                <a:ea typeface="微軟正黑體" pitchFamily="34" charset="-120"/>
               </a:rPr>
             </a:br>
             <a:r>
               <a:rPr lang="zh-TW" altLang="en-US" sz="6600" b="1" dirty="0" smtClean="0">
                 <a:solidFill>
-                  <a:srgbClr val="00B050"/>
-                </a:solidFill>
+                  <a:schemeClr val="accent6">
+                    <a:lumMod val="50000"/>
+                  </a:schemeClr>
+                </a:solidFill>
+                <a:effectLst>
+                  <a:outerShdw blurRad="38100" dist="38100" dir="2700000" algn="tl">
+                    <a:srgbClr val="000000">
+                      <a:alpha val="43137"/>
+                    </a:srgbClr>
+                  </a:outerShdw>
+                </a:effectLst>
+                <a:latin typeface="微軟正黑體" pitchFamily="34" charset="-120"/>
+                <a:ea typeface="微軟正黑體" pitchFamily="34" charset="-120"/>
               </a:rPr>
               <a:t>編織</a:t>
             </a:r>
             <a:r>
               <a:rPr lang="zh-TW" altLang="en-US" sz="6600" b="1" dirty="0">
                 <a:solidFill>
-                  <a:srgbClr val="00B050"/>
-                </a:solidFill>
+                  <a:schemeClr val="accent6">
+                    <a:lumMod val="50000"/>
+                  </a:schemeClr>
+                </a:solidFill>
+                <a:effectLst>
+                  <a:outerShdw blurRad="38100" dist="38100" dir="2700000" algn="tl">
+                    <a:srgbClr val="000000">
+                      <a:alpha val="43137"/>
+                    </a:srgbClr>
+                  </a:outerShdw>
+                </a:effectLst>
+                <a:latin typeface="微軟正黑體" pitchFamily="34" charset="-120"/>
+                <a:ea typeface="微軟正黑體" pitchFamily="34" charset="-120"/>
               </a:rPr>
               <a:t>美麗的</a:t>
             </a:r>
             <a:r>
               <a:rPr lang="zh-TW" altLang="en-US" sz="6600" b="1" dirty="0" smtClean="0">
                 <a:solidFill>
-                  <a:srgbClr val="00B050"/>
-                </a:solidFill>
+                  <a:schemeClr val="accent6">
+                    <a:lumMod val="50000"/>
+                  </a:schemeClr>
+                </a:solidFill>
+                <a:effectLst>
+                  <a:outerShdw blurRad="38100" dist="38100" dir="2700000" algn="tl">
+                    <a:srgbClr val="000000">
+                      <a:alpha val="43137"/>
+                    </a:srgbClr>
+                  </a:outerShdw>
+                </a:effectLst>
+                <a:latin typeface="微軟正黑體" pitchFamily="34" charset="-120"/>
+                <a:ea typeface="微軟正黑體" pitchFamily="34" charset="-120"/>
               </a:rPr>
               <a:t>夢</a:t>
             </a:r>
@@ -6021,7 +6472,7 @@
     </p:spTree>
     <p:extLst>
       <p:ext uri="{BB962C8B-B14F-4D97-AF65-F5344CB8AC3E}">
-        <p14:creationId xmlns="" xmlns:p14="http://schemas.microsoft.com/office/powerpoint/2010/main" val="2569657258"/>
+        <p14:creationId xmlns:p14="http://schemas.microsoft.com/office/powerpoint/2010/main" xmlns="" val="2569657258"/>
       </p:ext>
     </p:extLst>
   </p:cSld>
@@ -6067,7 +6518,7 @@
           <a:blip r:embed="rId2">
             <a:extLst>
               <a:ext uri="{28A0092B-C50C-407E-A947-70E740481C1C}">
-                <a14:useLocalDpi xmlns="" xmlns:a14="http://schemas.microsoft.com/office/drawing/2010/main" val="0"/>
+                <a14:useLocalDpi xmlns:a14="http://schemas.microsoft.com/office/drawing/2010/main" xmlns="" val="0"/>
               </a:ext>
             </a:extLst>
           </a:blip>
@@ -6087,7 +6538,7 @@
           <a:noFill/>
           <a:extLst>
             <a:ext uri="{909E8E84-426E-40DD-AFC4-6F175D3DCCD1}">
-              <a14:hiddenFill xmlns="" xmlns:a14="http://schemas.microsoft.com/office/drawing/2010/main">
+              <a14:hiddenFill xmlns:a14="http://schemas.microsoft.com/office/drawing/2010/main" xmlns="">
                 <a:solidFill>
                   <a:srgbClr val="FFFFFF"/>
                 </a:solidFill>
@@ -6137,132 +6588,319 @@
             <a:r>
               <a:rPr lang="zh-TW" altLang="en-US" sz="6600" b="1" dirty="0">
                 <a:solidFill>
-                  <a:srgbClr val="00B050"/>
-                </a:solidFill>
+                  <a:schemeClr val="accent6">
+                    <a:lumMod val="50000"/>
+                  </a:schemeClr>
+                </a:solidFill>
+                <a:effectLst>
+                  <a:outerShdw blurRad="38100" dist="38100" dir="2700000" algn="tl">
+                    <a:srgbClr val="000000">
+                      <a:alpha val="43137"/>
+                    </a:srgbClr>
+                  </a:outerShdw>
+                </a:effectLst>
+                <a:latin typeface="微軟正黑體" pitchFamily="34" charset="-120"/>
+                <a:ea typeface="微軟正黑體" pitchFamily="34" charset="-120"/>
               </a:rPr>
               <a:t>讓愛</a:t>
             </a:r>
             <a:r>
               <a:rPr lang="zh-TW" altLang="en-US" sz="6600" b="1" dirty="0" smtClean="0">
                 <a:solidFill>
-                  <a:srgbClr val="00B050"/>
-                </a:solidFill>
+                  <a:schemeClr val="accent6">
+                    <a:lumMod val="50000"/>
+                  </a:schemeClr>
+                </a:solidFill>
+                <a:effectLst>
+                  <a:outerShdw blurRad="38100" dist="38100" dir="2700000" algn="tl">
+                    <a:srgbClr val="000000">
+                      <a:alpha val="43137"/>
+                    </a:srgbClr>
+                  </a:outerShdw>
+                </a:effectLst>
+                <a:latin typeface="微軟正黑體" pitchFamily="34" charset="-120"/>
+                <a:ea typeface="微軟正黑體" pitchFamily="34" charset="-120"/>
               </a:rPr>
               <a:t>走動</a:t>
             </a:r>
             <a:r>
               <a:rPr lang="en-US" altLang="zh-TW" sz="6600" b="1" dirty="0" smtClean="0">
                 <a:solidFill>
-                  <a:srgbClr val="00B050"/>
-                </a:solidFill>
+                  <a:schemeClr val="accent6">
+                    <a:lumMod val="50000"/>
+                  </a:schemeClr>
+                </a:solidFill>
+                <a:effectLst>
+                  <a:outerShdw blurRad="38100" dist="38100" dir="2700000" algn="tl">
+                    <a:srgbClr val="000000">
+                      <a:alpha val="43137"/>
+                    </a:srgbClr>
+                  </a:outerShdw>
+                </a:effectLst>
+                <a:latin typeface="微軟正黑體" pitchFamily="34" charset="-120"/>
+                <a:ea typeface="微軟正黑體" pitchFamily="34" charset="-120"/>
               </a:rPr>
               <a:t/>
             </a:r>
             <a:br>
               <a:rPr lang="en-US" altLang="zh-TW" sz="6600" b="1" dirty="0" smtClean="0">
                 <a:solidFill>
-                  <a:srgbClr val="00B050"/>
-                </a:solidFill>
+                  <a:schemeClr val="accent6">
+                    <a:lumMod val="50000"/>
+                  </a:schemeClr>
+                </a:solidFill>
+                <a:effectLst>
+                  <a:outerShdw blurRad="38100" dist="38100" dir="2700000" algn="tl">
+                    <a:srgbClr val="000000">
+                      <a:alpha val="43137"/>
+                    </a:srgbClr>
+                  </a:outerShdw>
+                </a:effectLst>
+                <a:latin typeface="微軟正黑體" pitchFamily="34" charset="-120"/>
+                <a:ea typeface="微軟正黑體" pitchFamily="34" charset="-120"/>
               </a:rPr>
             </a:br>
             <a:r>
               <a:rPr lang="zh-TW" altLang="en-US" sz="6600" b="1" dirty="0" smtClean="0">
                 <a:solidFill>
-                  <a:srgbClr val="00B050"/>
-                </a:solidFill>
+                  <a:schemeClr val="accent6">
+                    <a:lumMod val="50000"/>
+                  </a:schemeClr>
+                </a:solidFill>
+                <a:effectLst>
+                  <a:outerShdw blurRad="38100" dist="38100" dir="2700000" algn="tl">
+                    <a:srgbClr val="000000">
+                      <a:alpha val="43137"/>
+                    </a:srgbClr>
+                  </a:outerShdw>
+                </a:effectLst>
+                <a:latin typeface="微軟正黑體" pitchFamily="34" charset="-120"/>
+                <a:ea typeface="微軟正黑體" pitchFamily="34" charset="-120"/>
               </a:rPr>
               <a:t>讓</a:t>
             </a:r>
             <a:r>
               <a:rPr lang="zh-TW" altLang="en-US" sz="6600" b="1" dirty="0">
                 <a:solidFill>
-                  <a:srgbClr val="00B050"/>
-                </a:solidFill>
+                  <a:schemeClr val="accent6">
+                    <a:lumMod val="50000"/>
+                  </a:schemeClr>
+                </a:solidFill>
+                <a:effectLst>
+                  <a:outerShdw blurRad="38100" dist="38100" dir="2700000" algn="tl">
+                    <a:srgbClr val="000000">
+                      <a:alpha val="43137"/>
+                    </a:srgbClr>
+                  </a:outerShdw>
+                </a:effectLst>
+                <a:latin typeface="微軟正黑體" pitchFamily="34" charset="-120"/>
+                <a:ea typeface="微軟正黑體" pitchFamily="34" charset="-120"/>
               </a:rPr>
               <a:t>你的愛化成溫暖的</a:t>
             </a:r>
             <a:r>
               <a:rPr lang="zh-TW" altLang="en-US" sz="6600" b="1" dirty="0" smtClean="0">
                 <a:solidFill>
-                  <a:srgbClr val="00B050"/>
-                </a:solidFill>
+                  <a:schemeClr val="accent6">
+                    <a:lumMod val="50000"/>
+                  </a:schemeClr>
+                </a:solidFill>
+                <a:effectLst>
+                  <a:outerShdw blurRad="38100" dist="38100" dir="2700000" algn="tl">
+                    <a:srgbClr val="000000">
+                      <a:alpha val="43137"/>
+                    </a:srgbClr>
+                  </a:outerShdw>
+                </a:effectLst>
+                <a:latin typeface="微軟正黑體" pitchFamily="34" charset="-120"/>
+                <a:ea typeface="微軟正黑體" pitchFamily="34" charset="-120"/>
               </a:rPr>
               <a:t>擁抱</a:t>
             </a:r>
             <a:r>
               <a:rPr lang="zh-TW" altLang="en-US" sz="6600" b="1" dirty="0">
                 <a:solidFill>
-                  <a:srgbClr val="00B050"/>
-                </a:solidFill>
+                  <a:schemeClr val="accent6">
+                    <a:lumMod val="50000"/>
+                  </a:schemeClr>
+                </a:solidFill>
+                <a:effectLst>
+                  <a:outerShdw blurRad="38100" dist="38100" dir="2700000" algn="tl">
+                    <a:srgbClr val="000000">
+                      <a:alpha val="43137"/>
+                    </a:srgbClr>
+                  </a:outerShdw>
+                </a:effectLst>
+                <a:latin typeface="微軟正黑體" pitchFamily="34" charset="-120"/>
+                <a:ea typeface="微軟正黑體" pitchFamily="34" charset="-120"/>
               </a:rPr>
               <a:t/>
             </a:r>
             <a:br>
               <a:rPr lang="zh-TW" altLang="en-US" sz="6600" b="1" dirty="0">
                 <a:solidFill>
-                  <a:srgbClr val="00B050"/>
-                </a:solidFill>
+                  <a:schemeClr val="accent6">
+                    <a:lumMod val="50000"/>
+                  </a:schemeClr>
+                </a:solidFill>
+                <a:effectLst>
+                  <a:outerShdw blurRad="38100" dist="38100" dir="2700000" algn="tl">
+                    <a:srgbClr val="000000">
+                      <a:alpha val="43137"/>
+                    </a:srgbClr>
+                  </a:outerShdw>
+                </a:effectLst>
+                <a:latin typeface="微軟正黑體" pitchFamily="34" charset="-120"/>
+                <a:ea typeface="微軟正黑體" pitchFamily="34" charset="-120"/>
               </a:rPr>
             </a:br>
             <a:r>
               <a:rPr lang="zh-TW" altLang="en-US" sz="6600" b="1" dirty="0">
                 <a:solidFill>
-                  <a:srgbClr val="00B050"/>
-                </a:solidFill>
+                  <a:schemeClr val="accent6">
+                    <a:lumMod val="50000"/>
+                  </a:schemeClr>
+                </a:solidFill>
+                <a:effectLst>
+                  <a:outerShdw blurRad="38100" dist="38100" dir="2700000" algn="tl">
+                    <a:srgbClr val="000000">
+                      <a:alpha val="43137"/>
+                    </a:srgbClr>
+                  </a:outerShdw>
+                </a:effectLst>
+                <a:latin typeface="微軟正黑體" pitchFamily="34" charset="-120"/>
+                <a:ea typeface="微軟正黑體" pitchFamily="34" charset="-120"/>
               </a:rPr>
               <a:t>綻放</a:t>
             </a:r>
             <a:r>
               <a:rPr lang="zh-TW" altLang="en-US" sz="6600" b="1" dirty="0" smtClean="0">
                 <a:solidFill>
-                  <a:srgbClr val="00B050"/>
-                </a:solidFill>
+                  <a:schemeClr val="accent6">
+                    <a:lumMod val="50000"/>
+                  </a:schemeClr>
+                </a:solidFill>
+                <a:effectLst>
+                  <a:outerShdw blurRad="38100" dist="38100" dir="2700000" algn="tl">
+                    <a:srgbClr val="000000">
+                      <a:alpha val="43137"/>
+                    </a:srgbClr>
+                  </a:outerShdw>
+                </a:effectLst>
+                <a:latin typeface="微軟正黑體" pitchFamily="34" charset="-120"/>
+                <a:ea typeface="微軟正黑體" pitchFamily="34" charset="-120"/>
               </a:rPr>
               <a:t>陽光</a:t>
             </a:r>
             <a:r>
               <a:rPr lang="en-US" altLang="zh-TW" sz="6600" b="1" dirty="0" smtClean="0">
                 <a:solidFill>
-                  <a:srgbClr val="00B050"/>
-                </a:solidFill>
+                  <a:schemeClr val="accent6">
+                    <a:lumMod val="50000"/>
+                  </a:schemeClr>
+                </a:solidFill>
+                <a:effectLst>
+                  <a:outerShdw blurRad="38100" dist="38100" dir="2700000" algn="tl">
+                    <a:srgbClr val="000000">
+                      <a:alpha val="43137"/>
+                    </a:srgbClr>
+                  </a:outerShdw>
+                </a:effectLst>
+                <a:latin typeface="微軟正黑體" pitchFamily="34" charset="-120"/>
+                <a:ea typeface="微軟正黑體" pitchFamily="34" charset="-120"/>
               </a:rPr>
               <a:t/>
             </a:r>
             <a:br>
               <a:rPr lang="en-US" altLang="zh-TW" sz="6600" b="1" dirty="0" smtClean="0">
                 <a:solidFill>
-                  <a:srgbClr val="00B050"/>
-                </a:solidFill>
+                  <a:schemeClr val="accent6">
+                    <a:lumMod val="50000"/>
+                  </a:schemeClr>
+                </a:solidFill>
+                <a:effectLst>
+                  <a:outerShdw blurRad="38100" dist="38100" dir="2700000" algn="tl">
+                    <a:srgbClr val="000000">
+                      <a:alpha val="43137"/>
+                    </a:srgbClr>
+                  </a:outerShdw>
+                </a:effectLst>
+                <a:latin typeface="微軟正黑體" pitchFamily="34" charset="-120"/>
+                <a:ea typeface="微軟正黑體" pitchFamily="34" charset="-120"/>
               </a:rPr>
             </a:br>
             <a:r>
               <a:rPr lang="zh-TW" altLang="en-US" sz="6600" b="1" dirty="0" smtClean="0">
                 <a:solidFill>
-                  <a:srgbClr val="00B050"/>
-                </a:solidFill>
+                  <a:schemeClr val="accent6">
+                    <a:lumMod val="50000"/>
+                  </a:schemeClr>
+                </a:solidFill>
+                <a:effectLst>
+                  <a:outerShdw blurRad="38100" dist="38100" dir="2700000" algn="tl">
+                    <a:srgbClr val="000000">
+                      <a:alpha val="43137"/>
+                    </a:srgbClr>
+                  </a:outerShdw>
+                </a:effectLst>
+                <a:latin typeface="微軟正黑體" pitchFamily="34" charset="-120"/>
+                <a:ea typeface="微軟正黑體" pitchFamily="34" charset="-120"/>
               </a:rPr>
               <a:t>編織</a:t>
             </a:r>
             <a:r>
               <a:rPr lang="zh-TW" altLang="en-US" sz="6600" b="1" dirty="0">
                 <a:solidFill>
-                  <a:srgbClr val="00B050"/>
-                </a:solidFill>
+                  <a:schemeClr val="accent6">
+                    <a:lumMod val="50000"/>
+                  </a:schemeClr>
+                </a:solidFill>
+                <a:effectLst>
+                  <a:outerShdw blurRad="38100" dist="38100" dir="2700000" algn="tl">
+                    <a:srgbClr val="000000">
+                      <a:alpha val="43137"/>
+                    </a:srgbClr>
+                  </a:outerShdw>
+                </a:effectLst>
+                <a:latin typeface="微軟正黑體" pitchFamily="34" charset="-120"/>
+                <a:ea typeface="微軟正黑體" pitchFamily="34" charset="-120"/>
               </a:rPr>
               <a:t>神所造的</a:t>
             </a:r>
             <a:r>
               <a:rPr lang="zh-TW" altLang="en-US" sz="6600" b="1" dirty="0" smtClean="0">
                 <a:solidFill>
-                  <a:srgbClr val="00B050"/>
-                </a:solidFill>
+                  <a:schemeClr val="accent6">
+                    <a:lumMod val="50000"/>
+                  </a:schemeClr>
+                </a:solidFill>
+                <a:effectLst>
+                  <a:outerShdw blurRad="38100" dist="38100" dir="2700000" algn="tl">
+                    <a:srgbClr val="000000">
+                      <a:alpha val="43137"/>
+                    </a:srgbClr>
+                  </a:outerShdw>
+                </a:effectLst>
+                <a:latin typeface="微軟正黑體" pitchFamily="34" charset="-120"/>
+                <a:ea typeface="微軟正黑體" pitchFamily="34" charset="-120"/>
               </a:rPr>
               <a:t>夢</a:t>
             </a:r>
-            <a:endParaRPr lang="en-US" sz="6600" b="1" dirty="0">
+            <a:endParaRPr lang="en-US" altLang="en-US" sz="6600" b="1" dirty="0">
               <a:solidFill>
-                <a:srgbClr val="00B050"/>
+                <a:schemeClr val="accent6">
+                  <a:lumMod val="50000"/>
+                </a:schemeClr>
               </a:solidFill>
+              <a:effectLst>
+                <a:outerShdw blurRad="38100" dist="38100" dir="2700000" algn="tl">
+                  <a:srgbClr val="000000">
+                    <a:alpha val="43137"/>
+                  </a:srgbClr>
+                </a:outerShdw>
+              </a:effectLst>
+              <a:latin typeface="微軟正黑體" pitchFamily="34" charset="-120"/>
+              <a:ea typeface="微軟正黑體" pitchFamily="34" charset="-120"/>
             </a:endParaRPr>
           </a:p>
         </p:txBody>
@@ -6270,7 +6908,7 @@
     </p:spTree>
     <p:extLst>
       <p:ext uri="{BB962C8B-B14F-4D97-AF65-F5344CB8AC3E}">
-        <p14:creationId xmlns="" xmlns:p14="http://schemas.microsoft.com/office/powerpoint/2010/main" val="1660670143"/>
+        <p14:creationId xmlns:p14="http://schemas.microsoft.com/office/powerpoint/2010/main" xmlns="" val="1660670143"/>
       </p:ext>
     </p:extLst>
   </p:cSld>
@@ -6316,7 +6954,7 @@
           <a:blip r:embed="rId2">
             <a:extLst>
               <a:ext uri="{28A0092B-C50C-407E-A947-70E740481C1C}">
-                <a14:useLocalDpi xmlns="" xmlns:a14="http://schemas.microsoft.com/office/drawing/2010/main" val="0"/>
+                <a14:useLocalDpi xmlns:a14="http://schemas.microsoft.com/office/drawing/2010/main" xmlns="" val="0"/>
               </a:ext>
             </a:extLst>
           </a:blip>
@@ -6336,7 +6974,7 @@
           <a:noFill/>
           <a:extLst>
             <a:ext uri="{909E8E84-426E-40DD-AFC4-6F175D3DCCD1}">
-              <a14:hiddenFill xmlns="" xmlns:a14="http://schemas.microsoft.com/office/drawing/2010/main">
+              <a14:hiddenFill xmlns:a14="http://schemas.microsoft.com/office/drawing/2010/main" xmlns="">
                 <a:solidFill>
                   <a:srgbClr val="FFFFFF"/>
                 </a:solidFill>
@@ -7213,7 +7851,7 @@
     </p:spTree>
     <p:extLst>
       <p:ext uri="{BB962C8B-B14F-4D97-AF65-F5344CB8AC3E}">
-        <p14:creationId xmlns="" xmlns:p14="http://schemas.microsoft.com/office/powerpoint/2010/main" val="1641318941"/>
+        <p14:creationId xmlns:p14="http://schemas.microsoft.com/office/powerpoint/2010/main" xmlns="" val="1641318941"/>
       </p:ext>
     </p:extLst>
   </p:cSld>
@@ -7259,7 +7897,7 @@
           <a:blip r:embed="rId2">
             <a:extLst>
               <a:ext uri="{28A0092B-C50C-407E-A947-70E740481C1C}">
-                <a14:useLocalDpi xmlns="" xmlns:a14="http://schemas.microsoft.com/office/drawing/2010/main" val="0"/>
+                <a14:useLocalDpi xmlns:a14="http://schemas.microsoft.com/office/drawing/2010/main" xmlns="" val="0"/>
               </a:ext>
             </a:extLst>
           </a:blip>
@@ -7279,7 +7917,7 @@
           <a:noFill/>
           <a:extLst>
             <a:ext uri="{909E8E84-426E-40DD-AFC4-6F175D3DCCD1}">
-              <a14:hiddenFill xmlns="" xmlns:a14="http://schemas.microsoft.com/office/drawing/2010/main">
+              <a14:hiddenFill xmlns:a14="http://schemas.microsoft.com/office/drawing/2010/main" xmlns="">
                 <a:solidFill>
                   <a:srgbClr val="FFFFFF"/>
                 </a:solidFill>
@@ -7886,7 +8524,7 @@
     </p:spTree>
     <p:extLst>
       <p:ext uri="{BB962C8B-B14F-4D97-AF65-F5344CB8AC3E}">
-        <p14:creationId xmlns="" xmlns:p14="http://schemas.microsoft.com/office/powerpoint/2010/main" val="1641318941"/>
+        <p14:creationId xmlns:p14="http://schemas.microsoft.com/office/powerpoint/2010/main" xmlns="" val="1641318941"/>
       </p:ext>
     </p:extLst>
   </p:cSld>
@@ -7932,7 +8570,7 @@
           <a:blip r:embed="rId2">
             <a:extLst>
               <a:ext uri="{28A0092B-C50C-407E-A947-70E740481C1C}">
-                <a14:useLocalDpi xmlns="" xmlns:a14="http://schemas.microsoft.com/office/drawing/2010/main" val="0"/>
+                <a14:useLocalDpi xmlns:a14="http://schemas.microsoft.com/office/drawing/2010/main" xmlns="" val="0"/>
               </a:ext>
             </a:extLst>
           </a:blip>
@@ -7952,7 +8590,7 @@
           <a:noFill/>
           <a:extLst>
             <a:ext uri="{909E8E84-426E-40DD-AFC4-6F175D3DCCD1}">
-              <a14:hiddenFill xmlns="" xmlns:a14="http://schemas.microsoft.com/office/drawing/2010/main">
+              <a14:hiddenFill xmlns:a14="http://schemas.microsoft.com/office/drawing/2010/main" xmlns="">
                 <a:solidFill>
                   <a:srgbClr val="FFFFFF"/>
                 </a:solidFill>
@@ -8851,7 +9489,7 @@
     </p:spTree>
     <p:extLst>
       <p:ext uri="{BB962C8B-B14F-4D97-AF65-F5344CB8AC3E}">
-        <p14:creationId xmlns="" xmlns:p14="http://schemas.microsoft.com/office/powerpoint/2010/main" val="2205085587"/>
+        <p14:creationId xmlns:p14="http://schemas.microsoft.com/office/powerpoint/2010/main" xmlns="" val="2205085587"/>
       </p:ext>
     </p:extLst>
   </p:cSld>
@@ -8897,7 +9535,7 @@
           <a:blip r:embed="rId2">
             <a:extLst>
               <a:ext uri="{28A0092B-C50C-407E-A947-70E740481C1C}">
-                <a14:useLocalDpi xmlns="" xmlns:a14="http://schemas.microsoft.com/office/drawing/2010/main" val="0"/>
+                <a14:useLocalDpi xmlns:a14="http://schemas.microsoft.com/office/drawing/2010/main" xmlns="" val="0"/>
               </a:ext>
             </a:extLst>
           </a:blip>
@@ -8917,7 +9555,7 @@
           <a:noFill/>
           <a:extLst>
             <a:ext uri="{909E8E84-426E-40DD-AFC4-6F175D3DCCD1}">
-              <a14:hiddenFill xmlns="" xmlns:a14="http://schemas.microsoft.com/office/drawing/2010/main">
+              <a14:hiddenFill xmlns:a14="http://schemas.microsoft.com/office/drawing/2010/main" xmlns="">
                 <a:solidFill>
                   <a:srgbClr val="FFFFFF"/>
                 </a:solidFill>
@@ -9464,7 +10102,7 @@
     </p:spTree>
     <p:extLst>
       <p:ext uri="{BB962C8B-B14F-4D97-AF65-F5344CB8AC3E}">
-        <p14:creationId xmlns="" xmlns:p14="http://schemas.microsoft.com/office/powerpoint/2010/main" val="2205085587"/>
+        <p14:creationId xmlns:p14="http://schemas.microsoft.com/office/powerpoint/2010/main" xmlns="" val="2205085587"/>
       </p:ext>
     </p:extLst>
   </p:cSld>
@@ -9510,7 +10148,7 @@
           <a:blip r:embed="rId2">
             <a:extLst>
               <a:ext uri="{28A0092B-C50C-407E-A947-70E740481C1C}">
-                <a14:useLocalDpi xmlns="" xmlns:a14="http://schemas.microsoft.com/office/drawing/2010/main" val="0"/>
+                <a14:useLocalDpi xmlns:a14="http://schemas.microsoft.com/office/drawing/2010/main" xmlns="" val="0"/>
               </a:ext>
             </a:extLst>
           </a:blip>
@@ -9530,7 +10168,7 @@
           <a:noFill/>
           <a:extLst>
             <a:ext uri="{909E8E84-426E-40DD-AFC4-6F175D3DCCD1}">
-              <a14:hiddenFill xmlns="" xmlns:a14="http://schemas.microsoft.com/office/drawing/2010/main">
+              <a14:hiddenFill xmlns:a14="http://schemas.microsoft.com/office/drawing/2010/main" xmlns="">
                 <a:solidFill>
                   <a:srgbClr val="FFFFFF"/>
                 </a:solidFill>
@@ -10063,7 +10701,7 @@
     </p:spTree>
     <p:extLst>
       <p:ext uri="{BB962C8B-B14F-4D97-AF65-F5344CB8AC3E}">
-        <p14:creationId xmlns="" xmlns:p14="http://schemas.microsoft.com/office/powerpoint/2010/main" val="3031597897"/>
+        <p14:creationId xmlns:p14="http://schemas.microsoft.com/office/powerpoint/2010/main" xmlns="" val="3031597897"/>
       </p:ext>
     </p:extLst>
   </p:cSld>
@@ -10109,7 +10747,7 @@
           <a:blip r:embed="rId2">
             <a:extLst>
               <a:ext uri="{28A0092B-C50C-407E-A947-70E740481C1C}">
-                <a14:useLocalDpi xmlns="" xmlns:a14="http://schemas.microsoft.com/office/drawing/2010/main" val="0"/>
+                <a14:useLocalDpi xmlns:a14="http://schemas.microsoft.com/office/drawing/2010/main" xmlns="" val="0"/>
               </a:ext>
             </a:extLst>
           </a:blip>
@@ -10129,7 +10767,7 @@
           <a:noFill/>
           <a:extLst>
             <a:ext uri="{909E8E84-426E-40DD-AFC4-6F175D3DCCD1}">
-              <a14:hiddenFill xmlns="" xmlns:a14="http://schemas.microsoft.com/office/drawing/2010/main">
+              <a14:hiddenFill xmlns:a14="http://schemas.microsoft.com/office/drawing/2010/main" xmlns="">
                 <a:solidFill>
                   <a:srgbClr val="FFFFFF"/>
                 </a:solidFill>
@@ -10262,17 +10900,7 @@
                 <a:latin typeface="Times New Roman" panose="02020603050405020304" pitchFamily="18" charset="0"/>
                 <a:cs typeface="Times New Roman" panose="02020603050405020304" pitchFamily="18" charset="0"/>
               </a:rPr>
-              <a:t>2.  擁 </a:t>
-            </a:r>
-            <a:r>
-              <a:rPr lang="en-US" sz="6200" b="1" dirty="0" smtClean="0">
-                <a:solidFill>
-                  <a:srgbClr val="002060"/>
-                </a:solidFill>
-                <a:latin typeface="Times New Roman" panose="02020603050405020304" pitchFamily="18" charset="0"/>
-                <a:cs typeface="Times New Roman" panose="02020603050405020304" pitchFamily="18" charset="0"/>
-              </a:rPr>
-              <a:t>抱</a:t>
+              <a:t>2.  擁 抱</a:t>
             </a:r>
             <a:endParaRPr lang="en-US" sz="6200" b="1" dirty="0">
               <a:solidFill>
@@ -10475,32 +11103,15 @@
                 <a:latin typeface="Times New Roman" panose="02020603050405020304" pitchFamily="18" charset="0"/>
                 <a:cs typeface="Times New Roman" panose="02020603050405020304" pitchFamily="18" charset="0"/>
               </a:rPr>
-              <a:t>5. </a:t>
-            </a:r>
-            <a:r>
-              <a:rPr lang="en-US" sz="6000" b="1" dirty="0" smtClean="0">
-                <a:solidFill>
-                  <a:srgbClr val="002060"/>
-                </a:solidFill>
-                <a:latin typeface="Times New Roman" panose="02020603050405020304" pitchFamily="18" charset="0"/>
-                <a:cs typeface="Times New Roman" panose="02020603050405020304" pitchFamily="18" charset="0"/>
-              </a:rPr>
-              <a:t>造</a:t>
-            </a:r>
-            <a:endParaRPr lang="en-US" sz="6000" b="1" dirty="0" smtClean="0">
-              <a:solidFill>
-                <a:srgbClr val="002060"/>
-              </a:solidFill>
-              <a:latin typeface="Times New Roman" panose="02020603050405020304" pitchFamily="18" charset="0"/>
-              <a:cs typeface="Times New Roman" panose="02020603050405020304" pitchFamily="18" charset="0"/>
-            </a:endParaRPr>
+              <a:t>5. 造</a:t>
+            </a:r>
           </a:p>
         </p:txBody>
       </p:sp>
     </p:spTree>
     <p:extLst>
       <p:ext uri="{BB962C8B-B14F-4D97-AF65-F5344CB8AC3E}">
-        <p14:creationId xmlns="" xmlns:p14="http://schemas.microsoft.com/office/powerpoint/2010/main" val="3031597897"/>
+        <p14:creationId xmlns:p14="http://schemas.microsoft.com/office/powerpoint/2010/main" xmlns="" val="3031597897"/>
       </p:ext>
     </p:extLst>
   </p:cSld>
@@ -10546,7 +11157,7 @@
           <a:blip r:embed="rId2">
             <a:extLst>
               <a:ext uri="{28A0092B-C50C-407E-A947-70E740481C1C}">
-                <a14:useLocalDpi xmlns="" xmlns:a14="http://schemas.microsoft.com/office/drawing/2010/main" val="0"/>
+                <a14:useLocalDpi xmlns:a14="http://schemas.microsoft.com/office/drawing/2010/main" xmlns="" val="0"/>
               </a:ext>
             </a:extLst>
           </a:blip>
@@ -10566,7 +11177,7 @@
           <a:noFill/>
           <a:extLst>
             <a:ext uri="{909E8E84-426E-40DD-AFC4-6F175D3DCCD1}">
-              <a14:hiddenFill xmlns="" xmlns:a14="http://schemas.microsoft.com/office/drawing/2010/main">
+              <a14:hiddenFill xmlns:a14="http://schemas.microsoft.com/office/drawing/2010/main" xmlns="">
                 <a:solidFill>
                   <a:srgbClr val="FFFFFF"/>
                 </a:solidFill>
@@ -10985,7 +11596,7 @@
           <a:effectLst/>
           <a:extLst>
             <a:ext uri="{91240B29-F687-4F45-9708-019B960494DF}">
-              <a14:hiddenLine xmlns="" xmlns:a14="http://schemas.microsoft.com/office/drawing/2010/main" w="9525">
+              <a14:hiddenLine xmlns:a14="http://schemas.microsoft.com/office/drawing/2010/main" xmlns="" w="9525">
                 <a:solidFill>
                   <a:schemeClr val="tx1"/>
                 </a:solidFill>
@@ -10995,7 +11606,7 @@
               </a14:hiddenLine>
             </a:ext>
             <a:ext uri="{AF507438-7753-43E0-B8FC-AC1667EBCBE1}">
-              <a14:hiddenEffects xmlns="" xmlns:a14="http://schemas.microsoft.com/office/drawing/2010/main">
+              <a14:hiddenEffects xmlns:a14="http://schemas.microsoft.com/office/drawing/2010/main" xmlns="">
                 <a:effectLst>
                   <a:outerShdw dist="35921" dir="2700000" algn="ctr" rotWithShape="0">
                     <a:schemeClr val="bg2"/>
@@ -11046,7 +11657,7 @@
     </p:spTree>
     <p:extLst>
       <p:ext uri="{BB962C8B-B14F-4D97-AF65-F5344CB8AC3E}">
-        <p14:creationId xmlns="" xmlns:p14="http://schemas.microsoft.com/office/powerpoint/2010/main" val="530708264"/>
+        <p14:creationId xmlns:p14="http://schemas.microsoft.com/office/powerpoint/2010/main" xmlns="" val="530708264"/>
       </p:ext>
     </p:extLst>
   </p:cSld>
@@ -11092,7 +11703,7 @@
           <a:blip r:embed="rId2">
             <a:extLst>
               <a:ext uri="{28A0092B-C50C-407E-A947-70E740481C1C}">
-                <a14:useLocalDpi xmlns="" xmlns:a14="http://schemas.microsoft.com/office/drawing/2010/main" val="0"/>
+                <a14:useLocalDpi xmlns:a14="http://schemas.microsoft.com/office/drawing/2010/main" xmlns="" val="0"/>
               </a:ext>
             </a:extLst>
           </a:blip>
@@ -11112,7 +11723,7 @@
           <a:noFill/>
           <a:extLst>
             <a:ext uri="{909E8E84-426E-40DD-AFC4-6F175D3DCCD1}">
-              <a14:hiddenFill xmlns="" xmlns:a14="http://schemas.microsoft.com/office/drawing/2010/main">
+              <a14:hiddenFill xmlns:a14="http://schemas.microsoft.com/office/drawing/2010/main" xmlns="">
                 <a:solidFill>
                   <a:srgbClr val="FFFFFF"/>
                 </a:solidFill>
@@ -11526,7 +12137,7 @@
           <a:effectLst/>
           <a:extLst>
             <a:ext uri="{91240B29-F687-4F45-9708-019B960494DF}">
-              <a14:hiddenLine xmlns="" xmlns:a14="http://schemas.microsoft.com/office/drawing/2010/main" w="9525">
+              <a14:hiddenLine xmlns:a14="http://schemas.microsoft.com/office/drawing/2010/main" xmlns="" w="9525">
                 <a:solidFill>
                   <a:schemeClr val="tx1"/>
                 </a:solidFill>
@@ -11536,7 +12147,7 @@
               </a14:hiddenLine>
             </a:ext>
             <a:ext uri="{AF507438-7753-43E0-B8FC-AC1667EBCBE1}">
-              <a14:hiddenEffects xmlns="" xmlns:a14="http://schemas.microsoft.com/office/drawing/2010/main">
+              <a14:hiddenEffects xmlns:a14="http://schemas.microsoft.com/office/drawing/2010/main" xmlns="">
                 <a:effectLst>
                   <a:outerShdw dist="35921" dir="2700000" algn="ctr" rotWithShape="0">
                     <a:schemeClr val="bg2"/>
@@ -11609,7 +12220,7 @@
           <a:effectLst/>
           <a:extLst>
             <a:ext uri="{91240B29-F687-4F45-9708-019B960494DF}">
-              <a14:hiddenLine xmlns="" xmlns:a14="http://schemas.microsoft.com/office/drawing/2010/main" w="9525">
+              <a14:hiddenLine xmlns:a14="http://schemas.microsoft.com/office/drawing/2010/main" xmlns="" w="9525">
                 <a:solidFill>
                   <a:schemeClr val="tx1"/>
                 </a:solidFill>
@@ -11619,7 +12230,7 @@
               </a14:hiddenLine>
             </a:ext>
             <a:ext uri="{AF507438-7753-43E0-B8FC-AC1667EBCBE1}">
-              <a14:hiddenEffects xmlns="" xmlns:a14="http://schemas.microsoft.com/office/drawing/2010/main">
+              <a14:hiddenEffects xmlns:a14="http://schemas.microsoft.com/office/drawing/2010/main" xmlns="">
                 <a:effectLst>
                   <a:outerShdw dist="35921" dir="2700000" algn="ctr" rotWithShape="0">
                     <a:schemeClr val="bg2"/>
@@ -11670,7 +12281,7 @@
     </p:spTree>
     <p:extLst>
       <p:ext uri="{BB962C8B-B14F-4D97-AF65-F5344CB8AC3E}">
-        <p14:creationId xmlns="" xmlns:p14="http://schemas.microsoft.com/office/powerpoint/2010/main" val="3566721725"/>
+        <p14:creationId xmlns:p14="http://schemas.microsoft.com/office/powerpoint/2010/main" xmlns="" val="3566721725"/>
       </p:ext>
     </p:extLst>
   </p:cSld>
@@ -11942,7 +12553,7 @@
   <a:extraClrSchemeLst/>
   <a:extLst>
     <a:ext uri="{05A4C25C-085E-4340-85A3-A5531E510DB2}">
-      <thm15:themeFamily xmlns="" xmlns:thm15="http://schemas.microsoft.com/office/thememl/2012/main" name="Office Theme" id="{62F939B6-93AF-4DB8-9C6B-D6C7DFDC589F}" vid="{4A3C46E8-61CC-4603-A589-7422A47A8E4A}"/>
+      <thm15:themeFamily xmlns:thm15="http://schemas.microsoft.com/office/thememl/2012/main" xmlns="" name="Office Theme" id="{62F939B6-93AF-4DB8-9C6B-D6C7DFDC589F}" vid="{4A3C46E8-61CC-4603-A589-7422A47A8E4A}"/>
     </a:ext>
   </a:extLst>
 </a:theme>
